--- a/4-1/소프트웨어 종합설계/7주차/졸업작품 요구사항분석.pptx
+++ b/4-1/소프트웨어 종합설계/7주차/졸업작품 요구사항분석.pptx
@@ -1,15 +1,41 @@
 
 <file path=ppt/presentation.xml><?xml version="1.0" encoding="utf-8"?>
-<p:presentation xmlns:a="http://schemas.openxmlformats.org/drawingml/2006/main" xmlns:r="http://schemas.openxmlformats.org/officeDocument/2006/relationships" xmlns:p="http://schemas.openxmlformats.org/presentationml/2006/main" saveSubsetFonts="1" autoCompressPictures="0">
+<p:presentation xmlns:a="http://schemas.openxmlformats.org/drawingml/2006/main" xmlns:r="http://schemas.openxmlformats.org/officeDocument/2006/relationships" xmlns:p="http://schemas.openxmlformats.org/presentationml/2006/main" embedTrueTypeFonts="1" saveSubsetFonts="1" autoCompressPictures="0">
   <p:sldMasterIdLst>
     <p:sldMasterId id="2147483648" r:id="rId1"/>
   </p:sldMasterIdLst>
   <p:sldIdLst>
     <p:sldId id="257" r:id="rId2"/>
-    <p:sldId id="258" r:id="rId3"/>
+    <p:sldId id="267" r:id="rId3"/>
+    <p:sldId id="266" r:id="rId4"/>
+    <p:sldId id="258" r:id="rId5"/>
+    <p:sldId id="265" r:id="rId6"/>
+    <p:sldId id="259" r:id="rId7"/>
+    <p:sldId id="260" r:id="rId8"/>
+    <p:sldId id="261" r:id="rId9"/>
+    <p:sldId id="262" r:id="rId10"/>
+    <p:sldId id="263" r:id="rId11"/>
   </p:sldIdLst>
   <p:sldSz cx="12192000" cy="6858000"/>
   <p:notesSz cx="6858000" cy="9144000"/>
+  <p:embeddedFontLst>
+    <p:embeddedFont>
+      <p:font typeface="Nanum Brush Script" panose="03060600000000000000" pitchFamily="66" charset="-127"/>
+      <p:regular r:id="rId12"/>
+    </p:embeddedFont>
+    <p:embeddedFont>
+      <p:font typeface="Calibri" panose="020F0502020204030204" pitchFamily="34" charset="0"/>
+      <p:regular r:id="rId13"/>
+      <p:bold r:id="rId14"/>
+      <p:italic r:id="rId15"/>
+      <p:boldItalic r:id="rId16"/>
+    </p:embeddedFont>
+    <p:embeddedFont>
+      <p:font typeface="Calibri Light" panose="020F0302020204030204" pitchFamily="34" charset="0"/>
+      <p:regular r:id="rId17"/>
+      <p:italic r:id="rId18"/>
+    </p:embeddedFont>
+  </p:embeddedFontLst>
   <p:defaultTextStyle>
     <a:defPPr>
       <a:defRPr lang="ko-Kore-KR"/>
@@ -262,7 +288,7 @@
           <a:p>
             <a:fld id="{CA0C9A70-06BB-774B-8A5A-F2019B565F3F}" type="datetimeFigureOut">
               <a:rPr kumimoji="1" lang="ko-Kore-KR" altLang="en-US" smtClean="0"/>
-              <a:t>2022. 4. 12.</a:t>
+              <a:t>2022. 4. 15.</a:t>
             </a:fld>
             <a:endParaRPr kumimoji="1" lang="ko-Kore-KR" altLang="en-US"/>
           </a:p>
@@ -462,7 +488,7 @@
           <a:p>
             <a:fld id="{CA0C9A70-06BB-774B-8A5A-F2019B565F3F}" type="datetimeFigureOut">
               <a:rPr kumimoji="1" lang="ko-Kore-KR" altLang="en-US" smtClean="0"/>
-              <a:t>2022. 4. 12.</a:t>
+              <a:t>2022. 4. 15.</a:t>
             </a:fld>
             <a:endParaRPr kumimoji="1" lang="ko-Kore-KR" altLang="en-US"/>
           </a:p>
@@ -672,7 +698,7 @@
           <a:p>
             <a:fld id="{CA0C9A70-06BB-774B-8A5A-F2019B565F3F}" type="datetimeFigureOut">
               <a:rPr kumimoji="1" lang="ko-Kore-KR" altLang="en-US" smtClean="0"/>
-              <a:t>2022. 4. 12.</a:t>
+              <a:t>2022. 4. 15.</a:t>
             </a:fld>
             <a:endParaRPr kumimoji="1" lang="ko-Kore-KR" altLang="en-US"/>
           </a:p>
@@ -872,7 +898,7 @@
           <a:p>
             <a:fld id="{CA0C9A70-06BB-774B-8A5A-F2019B565F3F}" type="datetimeFigureOut">
               <a:rPr kumimoji="1" lang="ko-Kore-KR" altLang="en-US" smtClean="0"/>
-              <a:t>2022. 4. 12.</a:t>
+              <a:t>2022. 4. 15.</a:t>
             </a:fld>
             <a:endParaRPr kumimoji="1" lang="ko-Kore-KR" altLang="en-US"/>
           </a:p>
@@ -1148,7 +1174,7 @@
           <a:p>
             <a:fld id="{CA0C9A70-06BB-774B-8A5A-F2019B565F3F}" type="datetimeFigureOut">
               <a:rPr kumimoji="1" lang="ko-Kore-KR" altLang="en-US" smtClean="0"/>
-              <a:t>2022. 4. 12.</a:t>
+              <a:t>2022. 4. 15.</a:t>
             </a:fld>
             <a:endParaRPr kumimoji="1" lang="ko-Kore-KR" altLang="en-US"/>
           </a:p>
@@ -1416,7 +1442,7 @@
           <a:p>
             <a:fld id="{CA0C9A70-06BB-774B-8A5A-F2019B565F3F}" type="datetimeFigureOut">
               <a:rPr kumimoji="1" lang="ko-Kore-KR" altLang="en-US" smtClean="0"/>
-              <a:t>2022. 4. 12.</a:t>
+              <a:t>2022. 4. 15.</a:t>
             </a:fld>
             <a:endParaRPr kumimoji="1" lang="ko-Kore-KR" altLang="en-US"/>
           </a:p>
@@ -1831,7 +1857,7 @@
           <a:p>
             <a:fld id="{CA0C9A70-06BB-774B-8A5A-F2019B565F3F}" type="datetimeFigureOut">
               <a:rPr kumimoji="1" lang="ko-Kore-KR" altLang="en-US" smtClean="0"/>
-              <a:t>2022. 4. 12.</a:t>
+              <a:t>2022. 4. 15.</a:t>
             </a:fld>
             <a:endParaRPr kumimoji="1" lang="ko-Kore-KR" altLang="en-US"/>
           </a:p>
@@ -1973,7 +1999,7 @@
           <a:p>
             <a:fld id="{CA0C9A70-06BB-774B-8A5A-F2019B565F3F}" type="datetimeFigureOut">
               <a:rPr kumimoji="1" lang="ko-Kore-KR" altLang="en-US" smtClean="0"/>
-              <a:t>2022. 4. 12.</a:t>
+              <a:t>2022. 4. 15.</a:t>
             </a:fld>
             <a:endParaRPr kumimoji="1" lang="ko-Kore-KR" altLang="en-US"/>
           </a:p>
@@ -2086,7 +2112,7 @@
           <a:p>
             <a:fld id="{CA0C9A70-06BB-774B-8A5A-F2019B565F3F}" type="datetimeFigureOut">
               <a:rPr kumimoji="1" lang="ko-Kore-KR" altLang="en-US" smtClean="0"/>
-              <a:t>2022. 4. 12.</a:t>
+              <a:t>2022. 4. 15.</a:t>
             </a:fld>
             <a:endParaRPr kumimoji="1" lang="ko-Kore-KR" altLang="en-US"/>
           </a:p>
@@ -2399,7 +2425,7 @@
           <a:p>
             <a:fld id="{CA0C9A70-06BB-774B-8A5A-F2019B565F3F}" type="datetimeFigureOut">
               <a:rPr kumimoji="1" lang="ko-Kore-KR" altLang="en-US" smtClean="0"/>
-              <a:t>2022. 4. 12.</a:t>
+              <a:t>2022. 4. 15.</a:t>
             </a:fld>
             <a:endParaRPr kumimoji="1" lang="ko-Kore-KR" altLang="en-US"/>
           </a:p>
@@ -2688,7 +2714,7 @@
           <a:p>
             <a:fld id="{CA0C9A70-06BB-774B-8A5A-F2019B565F3F}" type="datetimeFigureOut">
               <a:rPr kumimoji="1" lang="ko-Kore-KR" altLang="en-US" smtClean="0"/>
-              <a:t>2022. 4. 12.</a:t>
+              <a:t>2022. 4. 15.</a:t>
             </a:fld>
             <a:endParaRPr kumimoji="1" lang="ko-Kore-KR" altLang="en-US"/>
           </a:p>
@@ -2931,7 +2957,7 @@
           <a:p>
             <a:fld id="{CA0C9A70-06BB-774B-8A5A-F2019B565F3F}" type="datetimeFigureOut">
               <a:rPr kumimoji="1" lang="ko-Kore-KR" altLang="en-US" smtClean="0"/>
-              <a:t>2022. 4. 12.</a:t>
+              <a:t>2022. 4. 15.</a:t>
             </a:fld>
             <a:endParaRPr kumimoji="1" lang="ko-Kore-KR" altLang="en-US"/>
           </a:p>
@@ -3473,7 +3499,7 @@
 </p:sld>
 </file>
 
-<file path=ppt/slides/slide2.xml><?xml version="1.0" encoding="utf-8"?>
+<file path=ppt/slides/slide10.xml><?xml version="1.0" encoding="utf-8"?>
 <p:sld xmlns:a="http://schemas.openxmlformats.org/drawingml/2006/main" xmlns:r="http://schemas.openxmlformats.org/officeDocument/2006/relationships" xmlns:p="http://schemas.openxmlformats.org/presentationml/2006/main">
   <p:cSld>
     <p:spTree>
@@ -3492,10 +3518,10 @@
       </p:grpSpPr>
       <p:sp>
         <p:nvSpPr>
-          <p:cNvPr id="4" name="모서리가 둥근 직사각형 3">
-            <a:extLst>
-              <a:ext uri="{FF2B5EF4-FFF2-40B4-BE49-F238E27FC236}">
-                <a16:creationId xmlns:a16="http://schemas.microsoft.com/office/drawing/2014/main" id="{0EA2AF16-3A79-7E43-95DE-1A31B4CA842C}"/>
+          <p:cNvPr id="10" name="모서리가 둥근 직사각형 9">
+            <a:extLst>
+              <a:ext uri="{FF2B5EF4-FFF2-40B4-BE49-F238E27FC236}">
+                <a16:creationId xmlns:a16="http://schemas.microsoft.com/office/drawing/2014/main" id="{98AA0CDE-2AD2-0265-B554-7E9A73DA5964}"/>
               </a:ext>
             </a:extLst>
           </p:cNvPr>
@@ -3504,8 +3530,8 @@
         </p:nvSpPr>
         <p:spPr>
           <a:xfrm>
-            <a:off x="820822" y="89233"/>
-            <a:ext cx="2332653" cy="821093"/>
+            <a:off x="820822" y="370936"/>
+            <a:ext cx="2332653" cy="539390"/>
           </a:xfrm>
           <a:prstGeom prst="roundRect">
             <a:avLst/>
@@ -3539,13 +3565,34 @@
           <a:p>
             <a:pPr algn="ctr"/>
             <a:r>
-              <a:rPr kumimoji="1" lang="en-US" altLang="ko-Kore-KR" sz="3600" dirty="0">
+              <a:rPr kumimoji="1" lang="ko-KR" altLang="en-US" sz="2000" dirty="0">
                 <a:latin typeface="Nanum Brush Script" panose="03060600000000000000" pitchFamily="66" charset="-127"/>
                 <a:ea typeface="Nanum Brush Script" panose="03060600000000000000" pitchFamily="66" charset="-127"/>
               </a:rPr>
-              <a:t>Diary VC</a:t>
-            </a:r>
-            <a:endParaRPr kumimoji="1" lang="ko-Kore-KR" altLang="en-US" sz="3600" dirty="0">
+              <a:t>기능 명세서</a:t>
+            </a:r>
+            <a:r>
+              <a:rPr kumimoji="1" lang="en-US" altLang="ko-KR" sz="2000" dirty="0">
+                <a:latin typeface="Nanum Brush Script" panose="03060600000000000000" pitchFamily="66" charset="-127"/>
+                <a:ea typeface="Nanum Brush Script" panose="03060600000000000000" pitchFamily="66" charset="-127"/>
+              </a:rPr>
+              <a:t> -</a:t>
+            </a:r>
+            <a:r>
+              <a:rPr kumimoji="1" lang="ko-KR" altLang="en-US" sz="2000" dirty="0">
+                <a:latin typeface="Nanum Brush Script" panose="03060600000000000000" pitchFamily="66" charset="-127"/>
+                <a:ea typeface="Nanum Brush Script" panose="03060600000000000000" pitchFamily="66" charset="-127"/>
+              </a:rPr>
+              <a:t> </a:t>
+            </a:r>
+            <a:r>
+              <a:rPr kumimoji="1" lang="en-US" altLang="ko-KR" sz="2000" dirty="0">
+                <a:latin typeface="Nanum Brush Script" panose="03060600000000000000" pitchFamily="66" charset="-127"/>
+                <a:ea typeface="Nanum Brush Script" panose="03060600000000000000" pitchFamily="66" charset="-127"/>
+              </a:rPr>
+              <a:t>Setting</a:t>
+            </a:r>
+            <a:endParaRPr kumimoji="1" lang="ko-Kore-KR" altLang="en-US" sz="2000" dirty="0">
               <a:latin typeface="Nanum Brush Script" panose="03060600000000000000" pitchFamily="66" charset="-127"/>
               <a:ea typeface="Nanum Brush Script" panose="03060600000000000000" pitchFamily="66" charset="-127"/>
             </a:endParaRPr>
@@ -3554,10 +3601,10 @@
       </p:sp>
       <p:pic>
         <p:nvPicPr>
-          <p:cNvPr id="6" name="그림 5">
-            <a:extLst>
-              <a:ext uri="{FF2B5EF4-FFF2-40B4-BE49-F238E27FC236}">
-                <a16:creationId xmlns:a16="http://schemas.microsoft.com/office/drawing/2014/main" id="{8BACEC9B-A0C2-524E-B4BA-9AB59FEB3958}"/>
+          <p:cNvPr id="13" name="그림 12">
+            <a:extLst>
+              <a:ext uri="{FF2B5EF4-FFF2-40B4-BE49-F238E27FC236}">
+                <a16:creationId xmlns:a16="http://schemas.microsoft.com/office/drawing/2014/main" id="{15AB441A-3449-BEC9-019C-D0398A4E29F1}"/>
               </a:ext>
             </a:extLst>
           </p:cNvPr>
@@ -3574,8 +3621,8 @@
         </p:blipFill>
         <p:spPr>
           <a:xfrm>
-            <a:off x="755249" y="910326"/>
-            <a:ext cx="2463800" cy="5080000"/>
+            <a:off x="0" y="1774800"/>
+            <a:ext cx="2471531" cy="5083200"/>
           </a:xfrm>
           <a:prstGeom prst="rect">
             <a:avLst/>
@@ -3584,10 +3631,10 @@
       </p:pic>
       <p:sp>
         <p:nvSpPr>
-          <p:cNvPr id="7" name="모서리가 둥근 직사각형 6">
-            <a:extLst>
-              <a:ext uri="{FF2B5EF4-FFF2-40B4-BE49-F238E27FC236}">
-                <a16:creationId xmlns:a16="http://schemas.microsoft.com/office/drawing/2014/main" id="{83AD6339-A6CB-7548-84BA-066B35510A56}"/>
+          <p:cNvPr id="11" name="모서리가 둥근 직사각형 10">
+            <a:extLst>
+              <a:ext uri="{FF2B5EF4-FFF2-40B4-BE49-F238E27FC236}">
+                <a16:creationId xmlns:a16="http://schemas.microsoft.com/office/drawing/2014/main" id="{48841E06-355B-A21C-53AC-A4F52777801C}"/>
               </a:ext>
             </a:extLst>
           </p:cNvPr>
@@ -3596,8 +3643,8 @@
         </p:nvSpPr>
         <p:spPr>
           <a:xfrm>
-            <a:off x="97148" y="5270326"/>
-            <a:ext cx="3780000" cy="1440000"/>
+            <a:off x="1842698" y="1328467"/>
+            <a:ext cx="621102" cy="336430"/>
           </a:xfrm>
           <a:prstGeom prst="roundRect">
             <a:avLst/>
@@ -3629,112 +3676,81 @@
           <a:bodyPr rtlCol="0" anchor="ctr"/>
           <a:lstStyle/>
           <a:p>
-            <a:pPr marL="285750" indent="-285750">
-              <a:buFontTx/>
-              <a:buChar char="-"/>
-            </a:pPr>
-            <a:r>
-              <a:rPr kumimoji="1" lang="ko-KR" altLang="en-US" sz="1200" dirty="0"/>
-              <a:t>사진</a:t>
-            </a:r>
-            <a:r>
-              <a:rPr kumimoji="1" lang="en-US" altLang="ko-KR" sz="1200" dirty="0"/>
-              <a:t>,</a:t>
-            </a:r>
-            <a:r>
-              <a:rPr kumimoji="1" lang="ko-KR" altLang="en-US" sz="1200" dirty="0"/>
-              <a:t> 해시태그</a:t>
-            </a:r>
-            <a:r>
-              <a:rPr kumimoji="1" lang="en-US" altLang="ko-KR" sz="1200" dirty="0"/>
-              <a:t>,</a:t>
-            </a:r>
-            <a:r>
-              <a:rPr kumimoji="1" lang="ko-KR" altLang="en-US" sz="1200" dirty="0"/>
-              <a:t> 내용</a:t>
-            </a:r>
-            <a:r>
-              <a:rPr kumimoji="1" lang="en-US" altLang="ko-KR" sz="1200" dirty="0"/>
-              <a:t>,</a:t>
-            </a:r>
-            <a:r>
-              <a:rPr kumimoji="1" lang="ko-KR" altLang="en-US" sz="1200" dirty="0"/>
-              <a:t> 날짜 입력</a:t>
-            </a:r>
-            <a:endParaRPr kumimoji="1" lang="en-US" altLang="ko-KR" sz="1200" dirty="0"/>
-          </a:p>
-          <a:p>
-            <a:pPr marL="285750" indent="-285750">
-              <a:buFontTx/>
-              <a:buChar char="-"/>
-            </a:pPr>
-            <a:r>
-              <a:rPr kumimoji="1" lang="ko-KR" altLang="en-US" sz="1200" dirty="0"/>
-              <a:t>다이어리 수정</a:t>
-            </a:r>
-            <a:r>
-              <a:rPr kumimoji="1" lang="en-US" altLang="ko-KR" sz="1200" dirty="0"/>
-              <a:t>,</a:t>
-            </a:r>
-            <a:r>
-              <a:rPr kumimoji="1" lang="ko-KR" altLang="en-US" sz="1200" dirty="0"/>
-              <a:t> 삭제 가능</a:t>
-            </a:r>
-            <a:endParaRPr kumimoji="1" lang="en-US" altLang="ko-KR" sz="1200" dirty="0"/>
-          </a:p>
-          <a:p>
-            <a:pPr marL="285750" indent="-285750">
-              <a:buFontTx/>
-              <a:buChar char="-"/>
-            </a:pPr>
-            <a:r>
-              <a:rPr kumimoji="1" lang="ko-KR" altLang="en-US" sz="1200" dirty="0"/>
-              <a:t>해시태그를 이용한 </a:t>
-            </a:r>
-            <a:r>
-              <a:rPr kumimoji="1" lang="ko-KR" altLang="en-US" sz="1200" dirty="0" err="1"/>
-              <a:t>검색가능</a:t>
-            </a:r>
-            <a:endParaRPr kumimoji="1" lang="en-US" altLang="ko-KR" sz="1200" dirty="0"/>
-          </a:p>
-          <a:p>
-            <a:pPr marL="285750" indent="-285750">
-              <a:buFontTx/>
-              <a:buChar char="-"/>
-            </a:pPr>
-            <a:r>
-              <a:rPr kumimoji="1" lang="ko-KR" altLang="en-US" sz="1200" dirty="0"/>
-              <a:t>캘린더를 이용한 다이어리 작성 여부 확인</a:t>
-            </a:r>
-            <a:endParaRPr kumimoji="1" lang="en-US" altLang="ko-KR" sz="1200" dirty="0"/>
-          </a:p>
-          <a:p>
-            <a:pPr marL="285750" indent="-285750">
-              <a:buFontTx/>
-              <a:buChar char="-"/>
-            </a:pPr>
-            <a:r>
-              <a:rPr kumimoji="1" lang="ko-KR" altLang="en-US" sz="1200" dirty="0"/>
-              <a:t>좌우 버튼으로 바로 이전</a:t>
-            </a:r>
-            <a:r>
-              <a:rPr kumimoji="1" lang="en-US" altLang="ko-KR" sz="1200" dirty="0"/>
-              <a:t>,</a:t>
-            </a:r>
-            <a:r>
-              <a:rPr kumimoji="1" lang="ko-KR" altLang="en-US" sz="1200" dirty="0"/>
-              <a:t> 다음 다이어리 이동</a:t>
-            </a:r>
-            <a:endParaRPr kumimoji="1" lang="en-US" altLang="ko-KR" sz="1200" dirty="0"/>
-          </a:p>
-        </p:txBody>
-      </p:sp>
-      <p:sp>
-        <p:nvSpPr>
-          <p:cNvPr id="8" name="모서리가 둥근 직사각형 7">
-            <a:extLst>
-              <a:ext uri="{FF2B5EF4-FFF2-40B4-BE49-F238E27FC236}">
-                <a16:creationId xmlns:a16="http://schemas.microsoft.com/office/drawing/2014/main" id="{79D5153F-F6B6-AA4A-AEAA-F72F153E11EB}"/>
+            <a:pPr algn="ctr"/>
+            <a:r>
+              <a:rPr kumimoji="1" lang="en-US" altLang="ko-Kore-KR" dirty="0"/>
+              <a:t>1-5</a:t>
+            </a:r>
+            <a:endParaRPr kumimoji="1" lang="ko-Kore-KR" altLang="en-US" dirty="0"/>
+          </a:p>
+        </p:txBody>
+      </p:sp>
+      <p:pic>
+        <p:nvPicPr>
+          <p:cNvPr id="6" name="그림 5" descr="텍스트이(가) 표시된 사진&#10;&#10;자동 생성된 설명">
+            <a:extLst>
+              <a:ext uri="{FF2B5EF4-FFF2-40B4-BE49-F238E27FC236}">
+                <a16:creationId xmlns:a16="http://schemas.microsoft.com/office/drawing/2014/main" id="{784635E1-A222-C77D-C36F-6446DE4FDF33}"/>
+              </a:ext>
+            </a:extLst>
+          </p:cNvPr>
+          <p:cNvPicPr>
+            <a:picLocks noChangeAspect="1"/>
+          </p:cNvPicPr>
+          <p:nvPr/>
+        </p:nvPicPr>
+        <p:blipFill>
+          <a:blip r:embed="rId3"/>
+          <a:stretch>
+            <a:fillRect/>
+          </a:stretch>
+        </p:blipFill>
+        <p:spPr>
+          <a:xfrm>
+            <a:off x="5564996" y="3789507"/>
+            <a:ext cx="6480000" cy="1053786"/>
+          </a:xfrm>
+          <a:prstGeom prst="rect">
+            <a:avLst/>
+          </a:prstGeom>
+        </p:spPr>
+      </p:pic>
+      <p:pic>
+        <p:nvPicPr>
+          <p:cNvPr id="18" name="그림 17">
+            <a:extLst>
+              <a:ext uri="{FF2B5EF4-FFF2-40B4-BE49-F238E27FC236}">
+                <a16:creationId xmlns:a16="http://schemas.microsoft.com/office/drawing/2014/main" id="{9A161D7A-AF6A-9207-A117-E94607CC58EC}"/>
+              </a:ext>
+            </a:extLst>
+          </p:cNvPr>
+          <p:cNvPicPr>
+            <a:picLocks noChangeAspect="1"/>
+          </p:cNvPicPr>
+          <p:nvPr/>
+        </p:nvPicPr>
+        <p:blipFill>
+          <a:blip r:embed="rId4"/>
+          <a:stretch>
+            <a:fillRect/>
+          </a:stretch>
+        </p:blipFill>
+        <p:spPr>
+          <a:xfrm>
+            <a:off x="2781663" y="4067137"/>
+            <a:ext cx="2473200" cy="498525"/>
+          </a:xfrm>
+          <a:prstGeom prst="rect">
+            <a:avLst/>
+          </a:prstGeom>
+        </p:spPr>
+      </p:pic>
+      <p:sp>
+        <p:nvSpPr>
+          <p:cNvPr id="19" name="모서리가 둥근 직사각형 18">
+            <a:extLst>
+              <a:ext uri="{FF2B5EF4-FFF2-40B4-BE49-F238E27FC236}">
+                <a16:creationId xmlns:a16="http://schemas.microsoft.com/office/drawing/2014/main" id="{EF059A67-C24F-0114-6779-B040B8BDDAA3}"/>
               </a:ext>
             </a:extLst>
           </p:cNvPr>
@@ -3743,8 +3759,573 @@
         </p:nvSpPr>
         <p:spPr>
           <a:xfrm>
-            <a:off x="4929672" y="89233"/>
-            <a:ext cx="2332653" cy="821093"/>
+            <a:off x="2909769" y="4030583"/>
+            <a:ext cx="2216989" cy="571632"/>
+          </a:xfrm>
+          <a:prstGeom prst="roundRect">
+            <a:avLst/>
+          </a:prstGeom>
+          <a:noFill/>
+        </p:spPr>
+        <p:style>
+          <a:lnRef idx="2">
+            <a:schemeClr val="accent1">
+              <a:shade val="50000"/>
+            </a:schemeClr>
+          </a:lnRef>
+          <a:fillRef idx="1">
+            <a:schemeClr val="accent1"/>
+          </a:fillRef>
+          <a:effectRef idx="0">
+            <a:schemeClr val="accent1"/>
+          </a:effectRef>
+          <a:fontRef idx="minor">
+            <a:schemeClr val="lt1"/>
+          </a:fontRef>
+        </p:style>
+        <p:txBody>
+          <a:bodyPr rtlCol="0" anchor="ctr"/>
+          <a:lstStyle/>
+          <a:p>
+            <a:pPr algn="ctr"/>
+            <a:endParaRPr kumimoji="1" lang="ko-Kore-KR" altLang="en-US"/>
+          </a:p>
+        </p:txBody>
+      </p:sp>
+    </p:spTree>
+    <p:extLst>
+      <p:ext uri="{BB962C8B-B14F-4D97-AF65-F5344CB8AC3E}">
+        <p14:creationId xmlns:p14="http://schemas.microsoft.com/office/powerpoint/2010/main" val="3217989910"/>
+      </p:ext>
+    </p:extLst>
+  </p:cSld>
+  <p:clrMapOvr>
+    <a:masterClrMapping/>
+  </p:clrMapOvr>
+</p:sld>
+</file>
+
+<file path=ppt/slides/slide2.xml><?xml version="1.0" encoding="utf-8"?>
+<p:sld xmlns:a="http://schemas.openxmlformats.org/drawingml/2006/main" xmlns:r="http://schemas.openxmlformats.org/officeDocument/2006/relationships" xmlns:p="http://schemas.openxmlformats.org/presentationml/2006/main">
+  <p:cSld>
+    <p:spTree>
+      <p:nvGrpSpPr>
+        <p:cNvPr id="1" name=""/>
+        <p:cNvGrpSpPr/>
+        <p:nvPr/>
+      </p:nvGrpSpPr>
+      <p:grpSpPr>
+        <a:xfrm>
+          <a:off x="0" y="0"/>
+          <a:ext cx="0" cy="0"/>
+          <a:chOff x="0" y="0"/>
+          <a:chExt cx="0" cy="0"/>
+        </a:xfrm>
+      </p:grpSpPr>
+      <p:graphicFrame>
+        <p:nvGraphicFramePr>
+          <p:cNvPr id="5" name="표 5">
+            <a:extLst>
+              <a:ext uri="{FF2B5EF4-FFF2-40B4-BE49-F238E27FC236}">
+                <a16:creationId xmlns:a16="http://schemas.microsoft.com/office/drawing/2014/main" id="{AA44B8E4-B83F-6110-8960-B0B81A179298}"/>
+              </a:ext>
+            </a:extLst>
+          </p:cNvPr>
+          <p:cNvGraphicFramePr>
+            <a:graphicFrameLocks noGrp="1"/>
+          </p:cNvGraphicFramePr>
+          <p:nvPr>
+            <p:extLst>
+              <p:ext uri="{D42A27DB-BD31-4B8C-83A1-F6EECF244321}">
+                <p14:modId xmlns:p14="http://schemas.microsoft.com/office/powerpoint/2010/main" val="1923055176"/>
+              </p:ext>
+            </p:extLst>
+          </p:nvPr>
+        </p:nvGraphicFramePr>
+        <p:xfrm>
+          <a:off x="1544129" y="1728956"/>
+          <a:ext cx="8128000" cy="1327989"/>
+        </p:xfrm>
+        <a:graphic>
+          <a:graphicData uri="http://schemas.openxmlformats.org/drawingml/2006/table">
+            <a:tbl>
+              <a:tblPr firstRow="1" bandRow="1">
+                <a:tableStyleId>{8A107856-5554-42FB-B03E-39F5DBC370BA}</a:tableStyleId>
+              </a:tblPr>
+              <a:tblGrid>
+                <a:gridCol w="4064000">
+                  <a:extLst>
+                    <a:ext uri="{9D8B030D-6E8A-4147-A177-3AD203B41FA5}">
+                      <a16:colId xmlns:a16="http://schemas.microsoft.com/office/drawing/2014/main" val="654645956"/>
+                    </a:ext>
+                  </a:extLst>
+                </a:gridCol>
+                <a:gridCol w="4064000">
+                  <a:extLst>
+                    <a:ext uri="{9D8B030D-6E8A-4147-A177-3AD203B41FA5}">
+                      <a16:colId xmlns:a16="http://schemas.microsoft.com/office/drawing/2014/main" val="44134293"/>
+                    </a:ext>
+                  </a:extLst>
+                </a:gridCol>
+              </a:tblGrid>
+              <a:tr h="442663">
+                <a:tc gridSpan="2">
+                  <a:txBody>
+                    <a:bodyPr/>
+                    <a:lstStyle/>
+                    <a:p>
+                      <a:pPr algn="ctr"/>
+                      <a:r>
+                        <a:rPr lang="ko-Kore-KR" altLang="en-US" dirty="0"/>
+                        <a:t>하드웨어</a:t>
+                      </a:r>
+                      <a:r>
+                        <a:rPr lang="ko-KR" altLang="en-US" dirty="0"/>
+                        <a:t> 인터페이스 요구사항</a:t>
+                      </a:r>
+                      <a:endParaRPr lang="ko-Kore-KR" altLang="en-US" dirty="0"/>
+                    </a:p>
+                  </a:txBody>
+                  <a:tcPr/>
+                </a:tc>
+                <a:tc hMerge="1">
+                  <a:txBody>
+                    <a:bodyPr/>
+                    <a:lstStyle/>
+                    <a:p>
+                      <a:endParaRPr lang="ko-Kore-KR" altLang="en-US" dirty="0"/>
+                    </a:p>
+                  </a:txBody>
+                  <a:tcPr/>
+                </a:tc>
+                <a:extLst>
+                  <a:ext uri="{0D108BD9-81ED-4DB2-BD59-A6C34878D82A}">
+                    <a16:rowId xmlns:a16="http://schemas.microsoft.com/office/drawing/2014/main" val="3102527307"/>
+                  </a:ext>
+                </a:extLst>
+              </a:tr>
+              <a:tr h="442663">
+                <a:tc>
+                  <a:txBody>
+                    <a:bodyPr/>
+                    <a:lstStyle/>
+                    <a:p>
+                      <a:pPr algn="ctr"/>
+                      <a:r>
+                        <a:rPr lang="ko-Kore-KR" altLang="en-US" dirty="0"/>
+                        <a:t>외부시스템</a:t>
+                      </a:r>
+                    </a:p>
+                  </a:txBody>
+                  <a:tcPr/>
+                </a:tc>
+                <a:tc>
+                  <a:txBody>
+                    <a:bodyPr/>
+                    <a:lstStyle/>
+                    <a:p>
+                      <a:pPr algn="ctr"/>
+                      <a:r>
+                        <a:rPr lang="en-US" altLang="ko-Kore-KR" dirty="0"/>
+                        <a:t>IOS </a:t>
+                      </a:r>
+                      <a:r>
+                        <a:rPr lang="ko-KR" altLang="en-US" dirty="0"/>
+                        <a:t>스마트폰</a:t>
+                      </a:r>
+                      <a:endParaRPr lang="ko-Kore-KR" altLang="en-US" dirty="0"/>
+                    </a:p>
+                  </a:txBody>
+                  <a:tcPr/>
+                </a:tc>
+                <a:extLst>
+                  <a:ext uri="{0D108BD9-81ED-4DB2-BD59-A6C34878D82A}">
+                    <a16:rowId xmlns:a16="http://schemas.microsoft.com/office/drawing/2014/main" val="3586047506"/>
+                  </a:ext>
+                </a:extLst>
+              </a:tr>
+              <a:tr h="442663">
+                <a:tc>
+                  <a:txBody>
+                    <a:bodyPr/>
+                    <a:lstStyle/>
+                    <a:p>
+                      <a:pPr algn="ctr"/>
+                      <a:r>
+                        <a:rPr lang="ko-Kore-KR" altLang="en-US" dirty="0"/>
+                        <a:t>데이터</a:t>
+                      </a:r>
+                      <a:r>
+                        <a:rPr lang="ko-KR" altLang="en-US" dirty="0"/>
+                        <a:t> 형식</a:t>
+                      </a:r>
+                      <a:endParaRPr lang="ko-Kore-KR" altLang="en-US" dirty="0"/>
+                    </a:p>
+                  </a:txBody>
+                  <a:tcPr/>
+                </a:tc>
+                <a:tc>
+                  <a:txBody>
+                    <a:bodyPr/>
+                    <a:lstStyle/>
+                    <a:p>
+                      <a:pPr algn="ctr"/>
+                      <a:r>
+                        <a:rPr lang="ko-Kore-KR" altLang="en-US" dirty="0"/>
+                        <a:t>텍스트</a:t>
+                      </a:r>
+                      <a:r>
+                        <a:rPr lang="en-US" altLang="ko-Kore-KR" dirty="0"/>
+                        <a:t>,</a:t>
+                      </a:r>
+                      <a:r>
+                        <a:rPr lang="ko-KR" altLang="en-US" dirty="0"/>
+                        <a:t> 이미지</a:t>
+                      </a:r>
+                      <a:r>
+                        <a:rPr lang="en-US" altLang="ko-KR" dirty="0"/>
+                        <a:t>,</a:t>
+                      </a:r>
+                      <a:r>
+                        <a:rPr lang="ko-KR" altLang="en-US" dirty="0"/>
+                        <a:t> 그래프 등</a:t>
+                      </a:r>
+                      <a:endParaRPr lang="ko-Kore-KR" altLang="en-US" dirty="0"/>
+                    </a:p>
+                  </a:txBody>
+                  <a:tcPr/>
+                </a:tc>
+                <a:extLst>
+                  <a:ext uri="{0D108BD9-81ED-4DB2-BD59-A6C34878D82A}">
+                    <a16:rowId xmlns:a16="http://schemas.microsoft.com/office/drawing/2014/main" val="2859081947"/>
+                  </a:ext>
+                </a:extLst>
+              </a:tr>
+            </a:tbl>
+          </a:graphicData>
+        </a:graphic>
+      </p:graphicFrame>
+      <p:graphicFrame>
+        <p:nvGraphicFramePr>
+          <p:cNvPr id="6" name="표 5">
+            <a:extLst>
+              <a:ext uri="{FF2B5EF4-FFF2-40B4-BE49-F238E27FC236}">
+                <a16:creationId xmlns:a16="http://schemas.microsoft.com/office/drawing/2014/main" id="{C8E16A96-5C11-8456-8F5D-1EFE8D7EA179}"/>
+              </a:ext>
+            </a:extLst>
+          </p:cNvPr>
+          <p:cNvGraphicFramePr>
+            <a:graphicFrameLocks noGrp="1"/>
+          </p:cNvGraphicFramePr>
+          <p:nvPr>
+            <p:extLst>
+              <p:ext uri="{D42A27DB-BD31-4B8C-83A1-F6EECF244321}">
+                <p14:modId xmlns:p14="http://schemas.microsoft.com/office/powerpoint/2010/main" val="3679274989"/>
+              </p:ext>
+            </p:extLst>
+          </p:nvPr>
+        </p:nvGraphicFramePr>
+        <p:xfrm>
+          <a:off x="1544129" y="3429000"/>
+          <a:ext cx="8128000" cy="2655978"/>
+        </p:xfrm>
+        <a:graphic>
+          <a:graphicData uri="http://schemas.openxmlformats.org/drawingml/2006/table">
+            <a:tbl>
+              <a:tblPr firstRow="1" bandRow="1">
+                <a:tableStyleId>{8A107856-5554-42FB-B03E-39F5DBC370BA}</a:tableStyleId>
+              </a:tblPr>
+              <a:tblGrid>
+                <a:gridCol w="4064000">
+                  <a:extLst>
+                    <a:ext uri="{9D8B030D-6E8A-4147-A177-3AD203B41FA5}">
+                      <a16:colId xmlns:a16="http://schemas.microsoft.com/office/drawing/2014/main" val="3792111767"/>
+                    </a:ext>
+                  </a:extLst>
+                </a:gridCol>
+                <a:gridCol w="4064000">
+                  <a:extLst>
+                    <a:ext uri="{9D8B030D-6E8A-4147-A177-3AD203B41FA5}">
+                      <a16:colId xmlns:a16="http://schemas.microsoft.com/office/drawing/2014/main" val="3187577283"/>
+                    </a:ext>
+                  </a:extLst>
+                </a:gridCol>
+              </a:tblGrid>
+              <a:tr h="442663">
+                <a:tc gridSpan="2">
+                  <a:txBody>
+                    <a:bodyPr/>
+                    <a:lstStyle/>
+                    <a:p>
+                      <a:pPr algn="ctr"/>
+                      <a:r>
+                        <a:rPr lang="ko-KR" altLang="en-US" dirty="0"/>
+                        <a:t>소프트웨어 인터페이스 요구사항</a:t>
+                      </a:r>
+                      <a:endParaRPr lang="ko-Kore-KR" altLang="en-US" dirty="0"/>
+                    </a:p>
+                  </a:txBody>
+                  <a:tcPr/>
+                </a:tc>
+                <a:tc hMerge="1">
+                  <a:txBody>
+                    <a:bodyPr/>
+                    <a:lstStyle/>
+                    <a:p>
+                      <a:endParaRPr lang="ko-Kore-KR" altLang="en-US" dirty="0"/>
+                    </a:p>
+                  </a:txBody>
+                  <a:tcPr/>
+                </a:tc>
+                <a:extLst>
+                  <a:ext uri="{0D108BD9-81ED-4DB2-BD59-A6C34878D82A}">
+                    <a16:rowId xmlns:a16="http://schemas.microsoft.com/office/drawing/2014/main" val="1187325028"/>
+                  </a:ext>
+                </a:extLst>
+              </a:tr>
+              <a:tr h="442663">
+                <a:tc>
+                  <a:txBody>
+                    <a:bodyPr/>
+                    <a:lstStyle/>
+                    <a:p>
+                      <a:pPr algn="ctr"/>
+                      <a:r>
+                        <a:rPr lang="ko-Kore-KR" altLang="en-US" dirty="0"/>
+                        <a:t>구현환경</a:t>
+                      </a:r>
+                    </a:p>
+                  </a:txBody>
+                  <a:tcPr/>
+                </a:tc>
+                <a:tc>
+                  <a:txBody>
+                    <a:bodyPr/>
+                    <a:lstStyle/>
+                    <a:p>
+                      <a:pPr algn="ctr"/>
+                      <a:r>
+                        <a:rPr lang="en-US" altLang="ko-Kore-KR" dirty="0" err="1"/>
+                        <a:t>Xcode</a:t>
+                      </a:r>
+                      <a:endParaRPr lang="ko-Kore-KR" altLang="en-US" dirty="0"/>
+                    </a:p>
+                  </a:txBody>
+                  <a:tcPr/>
+                </a:tc>
+                <a:extLst>
+                  <a:ext uri="{0D108BD9-81ED-4DB2-BD59-A6C34878D82A}">
+                    <a16:rowId xmlns:a16="http://schemas.microsoft.com/office/drawing/2014/main" val="2342289871"/>
+                  </a:ext>
+                </a:extLst>
+              </a:tr>
+              <a:tr h="442663">
+                <a:tc>
+                  <a:txBody>
+                    <a:bodyPr/>
+                    <a:lstStyle/>
+                    <a:p>
+                      <a:pPr algn="ctr"/>
+                      <a:r>
+                        <a:rPr lang="ko-Kore-KR" altLang="en-US" dirty="0"/>
+                        <a:t>인터페이스</a:t>
+                      </a:r>
+                      <a:r>
+                        <a:rPr lang="ko-KR" altLang="en-US" dirty="0"/>
+                        <a:t> 목적</a:t>
+                      </a:r>
+                      <a:endParaRPr lang="ko-Kore-KR" altLang="en-US" dirty="0"/>
+                    </a:p>
+                  </a:txBody>
+                  <a:tcPr/>
+                </a:tc>
+                <a:tc>
+                  <a:txBody>
+                    <a:bodyPr/>
+                    <a:lstStyle/>
+                    <a:p>
+                      <a:pPr algn="ctr"/>
+                      <a:r>
+                        <a:rPr lang="ko-Kore-KR" altLang="en-US" dirty="0"/>
+                        <a:t>다이어리</a:t>
+                      </a:r>
+                      <a:r>
+                        <a:rPr lang="en-US" altLang="ko-Kore-KR" dirty="0"/>
+                        <a:t>,</a:t>
+                      </a:r>
+                      <a:r>
+                        <a:rPr lang="ko-KR" altLang="en-US" dirty="0"/>
+                        <a:t> </a:t>
+                      </a:r>
+                      <a:r>
+                        <a:rPr lang="ko-KR" altLang="en-US" dirty="0" err="1"/>
+                        <a:t>투두</a:t>
+                      </a:r>
+                      <a:r>
+                        <a:rPr lang="ko-KR" altLang="en-US" dirty="0"/>
+                        <a:t> 작성</a:t>
+                      </a:r>
+                      <a:endParaRPr lang="ko-Kore-KR" altLang="en-US" dirty="0"/>
+                    </a:p>
+                  </a:txBody>
+                  <a:tcPr/>
+                </a:tc>
+                <a:extLst>
+                  <a:ext uri="{0D108BD9-81ED-4DB2-BD59-A6C34878D82A}">
+                    <a16:rowId xmlns:a16="http://schemas.microsoft.com/office/drawing/2014/main" val="3473138614"/>
+                  </a:ext>
+                </a:extLst>
+              </a:tr>
+              <a:tr h="442663">
+                <a:tc>
+                  <a:txBody>
+                    <a:bodyPr/>
+                    <a:lstStyle/>
+                    <a:p>
+                      <a:pPr algn="ctr"/>
+                      <a:r>
+                        <a:rPr lang="ko-Kore-KR" altLang="en-US" dirty="0"/>
+                        <a:t>데이터</a:t>
+                      </a:r>
+                      <a:r>
+                        <a:rPr lang="ko-KR" altLang="en-US" dirty="0"/>
+                        <a:t> 형식</a:t>
+                      </a:r>
+                      <a:endParaRPr lang="ko-Kore-KR" altLang="en-US" dirty="0"/>
+                    </a:p>
+                  </a:txBody>
+                  <a:tcPr/>
+                </a:tc>
+                <a:tc>
+                  <a:txBody>
+                    <a:bodyPr/>
+                    <a:lstStyle/>
+                    <a:p>
+                      <a:pPr algn="ctr"/>
+                      <a:r>
+                        <a:rPr lang="ko-Kore-KR" altLang="en-US" dirty="0"/>
+                        <a:t>텍스트</a:t>
+                      </a:r>
+                      <a:r>
+                        <a:rPr lang="en-US" altLang="ko-Kore-KR" dirty="0"/>
+                        <a:t>,</a:t>
+                      </a:r>
+                      <a:r>
+                        <a:rPr lang="ko-KR" altLang="en-US" dirty="0"/>
+                        <a:t> 이미지</a:t>
+                      </a:r>
+                      <a:r>
+                        <a:rPr lang="en-US" altLang="ko-KR" dirty="0"/>
+                        <a:t>,</a:t>
+                      </a:r>
+                      <a:r>
+                        <a:rPr lang="ko-KR" altLang="en-US" dirty="0"/>
+                        <a:t> 그래프 등</a:t>
+                      </a:r>
+                      <a:endParaRPr lang="ko-Kore-KR" altLang="en-US" dirty="0"/>
+                    </a:p>
+                  </a:txBody>
+                  <a:tcPr/>
+                </a:tc>
+                <a:extLst>
+                  <a:ext uri="{0D108BD9-81ED-4DB2-BD59-A6C34878D82A}">
+                    <a16:rowId xmlns:a16="http://schemas.microsoft.com/office/drawing/2014/main" val="3378013693"/>
+                  </a:ext>
+                </a:extLst>
+              </a:tr>
+              <a:tr h="442663">
+                <a:tc>
+                  <a:txBody>
+                    <a:bodyPr/>
+                    <a:lstStyle/>
+                    <a:p>
+                      <a:pPr algn="ctr"/>
+                      <a:r>
+                        <a:rPr lang="ko-KR" altLang="en-US" dirty="0"/>
+                        <a:t>운영체제</a:t>
+                      </a:r>
+                      <a:endParaRPr lang="ko-Kore-KR" altLang="en-US" dirty="0"/>
+                    </a:p>
+                  </a:txBody>
+                  <a:tcPr/>
+                </a:tc>
+                <a:tc>
+                  <a:txBody>
+                    <a:bodyPr/>
+                    <a:lstStyle/>
+                    <a:p>
+                      <a:pPr algn="ctr"/>
+                      <a:r>
+                        <a:rPr lang="en-US" altLang="ko-Kore-KR" dirty="0"/>
+                        <a:t>iOS</a:t>
+                      </a:r>
+                      <a:endParaRPr lang="ko-Kore-KR" altLang="en-US" dirty="0"/>
+                    </a:p>
+                  </a:txBody>
+                  <a:tcPr/>
+                </a:tc>
+                <a:extLst>
+                  <a:ext uri="{0D108BD9-81ED-4DB2-BD59-A6C34878D82A}">
+                    <a16:rowId xmlns:a16="http://schemas.microsoft.com/office/drawing/2014/main" val="4261253229"/>
+                  </a:ext>
+                </a:extLst>
+              </a:tr>
+              <a:tr h="442663">
+                <a:tc>
+                  <a:txBody>
+                    <a:bodyPr/>
+                    <a:lstStyle/>
+                    <a:p>
+                      <a:pPr algn="ctr"/>
+                      <a:r>
+                        <a:rPr lang="ko-Kore-KR" altLang="en-US" dirty="0"/>
+                        <a:t>데이터베이스</a:t>
+                      </a:r>
+                    </a:p>
+                  </a:txBody>
+                  <a:tcPr/>
+                </a:tc>
+                <a:tc>
+                  <a:txBody>
+                    <a:bodyPr/>
+                    <a:lstStyle/>
+                    <a:p>
+                      <a:pPr algn="ctr"/>
+                      <a:r>
+                        <a:rPr lang="en-US" altLang="ko-Kore-KR" dirty="0"/>
+                        <a:t>Realm</a:t>
+                      </a:r>
+                      <a:endParaRPr lang="ko-Kore-KR" altLang="en-US" dirty="0"/>
+                    </a:p>
+                  </a:txBody>
+                  <a:tcPr/>
+                </a:tc>
+                <a:extLst>
+                  <a:ext uri="{0D108BD9-81ED-4DB2-BD59-A6C34878D82A}">
+                    <a16:rowId xmlns:a16="http://schemas.microsoft.com/office/drawing/2014/main" val="2886532470"/>
+                  </a:ext>
+                </a:extLst>
+              </a:tr>
+            </a:tbl>
+          </a:graphicData>
+        </a:graphic>
+      </p:graphicFrame>
+      <p:sp>
+        <p:nvSpPr>
+          <p:cNvPr id="7" name="모서리가 둥근 직사각형 6">
+            <a:extLst>
+              <a:ext uri="{FF2B5EF4-FFF2-40B4-BE49-F238E27FC236}">
+                <a16:creationId xmlns:a16="http://schemas.microsoft.com/office/drawing/2014/main" id="{F6DEA450-3D91-C45F-27AB-807DD3A71BA4}"/>
+              </a:ext>
+            </a:extLst>
+          </p:cNvPr>
+          <p:cNvSpPr/>
+          <p:nvPr/>
+        </p:nvSpPr>
+        <p:spPr>
+          <a:xfrm>
+            <a:off x="1155940" y="560729"/>
+            <a:ext cx="2829464" cy="612476"/>
           </a:xfrm>
           <a:prstGeom prst="roundRect">
             <a:avLst/>
@@ -3778,65 +4359,72 @@
           <a:p>
             <a:pPr algn="ctr"/>
             <a:r>
-              <a:rPr kumimoji="1" lang="en-US" altLang="ko-Kore-KR" sz="3600" dirty="0">
+              <a:rPr kumimoji="1" lang="ko-Kore-KR" altLang="en-US" sz="2400" dirty="0">
                 <a:latin typeface="Nanum Brush Script" panose="03060600000000000000" pitchFamily="66" charset="-127"/>
                 <a:ea typeface="Nanum Brush Script" panose="03060600000000000000" pitchFamily="66" charset="-127"/>
               </a:rPr>
-              <a:t>To Do VC</a:t>
-            </a:r>
-            <a:endParaRPr kumimoji="1" lang="ko-Kore-KR" altLang="en-US" sz="3600" dirty="0">
+              <a:t>인터페이스</a:t>
+            </a:r>
+            <a:r>
+              <a:rPr kumimoji="1" lang="ko-KR" altLang="en-US" sz="2400" dirty="0">
+                <a:latin typeface="Nanum Brush Script" panose="03060600000000000000" pitchFamily="66" charset="-127"/>
+                <a:ea typeface="Nanum Brush Script" panose="03060600000000000000" pitchFamily="66" charset="-127"/>
+              </a:rPr>
+              <a:t> 요구사항</a:t>
+            </a:r>
+            <a:endParaRPr kumimoji="1" lang="ko-Kore-KR" altLang="en-US" sz="2400" dirty="0">
               <a:latin typeface="Nanum Brush Script" panose="03060600000000000000" pitchFamily="66" charset="-127"/>
               <a:ea typeface="Nanum Brush Script" panose="03060600000000000000" pitchFamily="66" charset="-127"/>
             </a:endParaRPr>
           </a:p>
         </p:txBody>
       </p:sp>
-      <p:pic>
-        <p:nvPicPr>
-          <p:cNvPr id="14" name="그림 13">
-            <a:extLst>
-              <a:ext uri="{FF2B5EF4-FFF2-40B4-BE49-F238E27FC236}">
-                <a16:creationId xmlns:a16="http://schemas.microsoft.com/office/drawing/2014/main" id="{08929FB7-0053-5341-A0EA-B0E61F68F963}"/>
-              </a:ext>
-            </a:extLst>
-          </p:cNvPr>
-          <p:cNvPicPr>
-            <a:picLocks noChangeAspect="1"/>
-          </p:cNvPicPr>
+    </p:spTree>
+    <p:extLst>
+      <p:ext uri="{BB962C8B-B14F-4D97-AF65-F5344CB8AC3E}">
+        <p14:creationId xmlns:p14="http://schemas.microsoft.com/office/powerpoint/2010/main" val="2578805075"/>
+      </p:ext>
+    </p:extLst>
+  </p:cSld>
+  <p:clrMapOvr>
+    <a:masterClrMapping/>
+  </p:clrMapOvr>
+</p:sld>
+</file>
+
+<file path=ppt/slides/slide3.xml><?xml version="1.0" encoding="utf-8"?>
+<p:sld xmlns:a="http://schemas.openxmlformats.org/drawingml/2006/main" xmlns:r="http://schemas.openxmlformats.org/officeDocument/2006/relationships" xmlns:p="http://schemas.openxmlformats.org/presentationml/2006/main">
+  <p:cSld>
+    <p:spTree>
+      <p:nvGrpSpPr>
+        <p:cNvPr id="1" name=""/>
+        <p:cNvGrpSpPr/>
+        <p:nvPr/>
+      </p:nvGrpSpPr>
+      <p:grpSpPr>
+        <a:xfrm>
+          <a:off x="0" y="0"/>
+          <a:ext cx="0" cy="0"/>
+          <a:chOff x="0" y="0"/>
+          <a:chExt cx="0" cy="0"/>
+        </a:xfrm>
+      </p:grpSpPr>
+      <p:sp>
+        <p:nvSpPr>
+          <p:cNvPr id="7" name="모서리가 둥근 직사각형 6">
+            <a:extLst>
+              <a:ext uri="{FF2B5EF4-FFF2-40B4-BE49-F238E27FC236}">
+                <a16:creationId xmlns:a16="http://schemas.microsoft.com/office/drawing/2014/main" id="{83AD6339-A6CB-7548-84BA-066B35510A56}"/>
+              </a:ext>
+            </a:extLst>
+          </p:cNvPr>
+          <p:cNvSpPr/>
           <p:nvPr/>
-        </p:nvPicPr>
-        <p:blipFill>
-          <a:blip r:embed="rId3"/>
-          <a:stretch>
-            <a:fillRect/>
-          </a:stretch>
-        </p:blipFill>
+        </p:nvSpPr>
         <p:spPr>
           <a:xfrm>
-            <a:off x="4864099" y="901700"/>
-            <a:ext cx="2463800" cy="5079600"/>
-          </a:xfrm>
-          <a:prstGeom prst="rect">
-            <a:avLst/>
-          </a:prstGeom>
-        </p:spPr>
-      </p:pic>
-      <p:sp>
-        <p:nvSpPr>
-          <p:cNvPr id="15" name="모서리가 둥근 직사각형 14">
-            <a:extLst>
-              <a:ext uri="{FF2B5EF4-FFF2-40B4-BE49-F238E27FC236}">
-                <a16:creationId xmlns:a16="http://schemas.microsoft.com/office/drawing/2014/main" id="{AA749719-FB3F-C643-BE9B-94F59C0FAB6B}"/>
-              </a:ext>
-            </a:extLst>
-          </p:cNvPr>
-          <p:cNvSpPr/>
-          <p:nvPr/>
-        </p:nvSpPr>
-        <p:spPr>
-          <a:xfrm>
-            <a:off x="4205998" y="5270326"/>
-            <a:ext cx="3780000" cy="1440000"/>
+            <a:off x="4626590" y="1559220"/>
+            <a:ext cx="5400000" cy="5040000"/>
           </a:xfrm>
           <a:prstGeom prst="roundRect">
             <a:avLst/>
@@ -3869,12 +4457,15 @@
           <a:lstStyle/>
           <a:p>
             <a:pPr marL="285750" indent="-285750">
+              <a:lnSpc>
+                <a:spcPct val="200000"/>
+              </a:lnSpc>
               <a:buFontTx/>
               <a:buChar char="-"/>
             </a:pPr>
             <a:r>
               <a:rPr kumimoji="1" lang="ko-KR" altLang="en-US" sz="1200" dirty="0"/>
-              <a:t>제목</a:t>
+              <a:t>다이어리를 추가</a:t>
             </a:r>
             <a:r>
               <a:rPr kumimoji="1" lang="en-US" altLang="ko-KR" sz="1200" dirty="0"/>
@@ -3882,7 +4473,7 @@
             </a:r>
             <a:r>
               <a:rPr kumimoji="1" lang="ko-KR" altLang="en-US" sz="1200" dirty="0"/>
-              <a:t> 메모</a:t>
+              <a:t> 수정</a:t>
             </a:r>
             <a:r>
               <a:rPr kumimoji="1" lang="en-US" altLang="ko-KR" sz="1200" dirty="0"/>
@@ -3890,42 +4481,24 @@
             </a:r>
             <a:r>
               <a:rPr kumimoji="1" lang="ko-KR" altLang="en-US" sz="1200" dirty="0"/>
-              <a:t> </a:t>
-            </a:r>
-            <a:r>
-              <a:rPr kumimoji="1" lang="ko-KR" altLang="en-US" sz="1200" dirty="0" err="1"/>
-              <a:t>시작날짜</a:t>
+              <a:t> 삭제 할 수 있어야한다</a:t>
             </a:r>
             <a:r>
               <a:rPr kumimoji="1" lang="en-US" altLang="ko-KR" sz="1200" dirty="0"/>
-              <a:t>,</a:t>
-            </a:r>
-            <a:r>
-              <a:rPr kumimoji="1" lang="ko-KR" altLang="en-US" sz="1200" dirty="0"/>
-              <a:t> </a:t>
-            </a:r>
-            <a:r>
-              <a:rPr kumimoji="1" lang="ko-KR" altLang="en-US" sz="1200" dirty="0" err="1"/>
-              <a:t>종료날짜</a:t>
-            </a:r>
-            <a:r>
-              <a:rPr kumimoji="1" lang="ko-KR" altLang="en-US" sz="1200" dirty="0"/>
-              <a:t> 입력</a:t>
-            </a:r>
-            <a:endParaRPr kumimoji="1" lang="en-US" altLang="ko-KR" sz="1200" dirty="0"/>
+              <a:t>.</a:t>
+            </a:r>
           </a:p>
           <a:p>
             <a:pPr marL="285750" indent="-285750">
+              <a:lnSpc>
+                <a:spcPct val="200000"/>
+              </a:lnSpc>
               <a:buFontTx/>
               <a:buChar char="-"/>
             </a:pPr>
             <a:r>
-              <a:rPr kumimoji="1" lang="ko-KR" altLang="en-US" sz="1200" dirty="0" err="1"/>
-              <a:t>투두</a:t>
-            </a:r>
-            <a:r>
               <a:rPr kumimoji="1" lang="ko-KR" altLang="en-US" sz="1200" dirty="0"/>
-              <a:t> 수정</a:t>
+              <a:t>다이어리 정보는 사진</a:t>
             </a:r>
             <a:r>
               <a:rPr kumimoji="1" lang="en-US" altLang="ko-KR" sz="1200" dirty="0"/>
@@ -3933,40 +4506,133 @@
             </a:r>
             <a:r>
               <a:rPr kumimoji="1" lang="ko-KR" altLang="en-US" sz="1200" dirty="0"/>
-              <a:t> 삭제 기능</a:t>
-            </a:r>
-            <a:endParaRPr kumimoji="1" lang="en-US" altLang="ko-KR" sz="1200" dirty="0"/>
+              <a:t> 내용</a:t>
+            </a:r>
+            <a:r>
+              <a:rPr kumimoji="1" lang="en-US" altLang="ko-KR" sz="1200" dirty="0"/>
+              <a:t>,</a:t>
+            </a:r>
+            <a:r>
+              <a:rPr kumimoji="1" lang="ko-KR" altLang="en-US" sz="1200" dirty="0"/>
+              <a:t> 해시태그</a:t>
+            </a:r>
+            <a:r>
+              <a:rPr kumimoji="1" lang="en-US" altLang="ko-KR" sz="1200" dirty="0"/>
+              <a:t>,</a:t>
+            </a:r>
+            <a:r>
+              <a:rPr kumimoji="1" lang="ko-KR" altLang="en-US" sz="1200" dirty="0"/>
+              <a:t> 날짜를 포함 해야 한다</a:t>
+            </a:r>
+            <a:r>
+              <a:rPr kumimoji="1" lang="en-US" altLang="ko-KR" sz="1200" dirty="0"/>
+              <a:t>.</a:t>
+            </a:r>
           </a:p>
           <a:p>
             <a:pPr marL="285750" indent="-285750">
+              <a:lnSpc>
+                <a:spcPct val="200000"/>
+              </a:lnSpc>
               <a:buFontTx/>
               <a:buChar char="-"/>
             </a:pPr>
             <a:r>
               <a:rPr kumimoji="1" lang="ko-KR" altLang="en-US" sz="1200" dirty="0"/>
-              <a:t>그래프를 이용한 한 주의 성취도 표현</a:t>
-            </a:r>
-            <a:endParaRPr kumimoji="1" lang="en-US" altLang="ko-KR" sz="1200" dirty="0"/>
+              <a:t>사진은 갤러리</a:t>
+            </a:r>
+            <a:r>
+              <a:rPr kumimoji="1" lang="en-US" altLang="ko-KR" sz="1200" dirty="0"/>
+              <a:t>,</a:t>
+            </a:r>
+            <a:r>
+              <a:rPr kumimoji="1" lang="ko-KR" altLang="en-US" sz="1200" dirty="0"/>
+              <a:t> 혹은 카메라에서 등록할 수 있어야 한다</a:t>
+            </a:r>
+            <a:r>
+              <a:rPr kumimoji="1" lang="en-US" altLang="ko-KR" sz="1200" dirty="0"/>
+              <a:t>.</a:t>
+            </a:r>
           </a:p>
           <a:p>
             <a:pPr marL="285750" indent="-285750">
+              <a:lnSpc>
+                <a:spcPct val="200000"/>
+              </a:lnSpc>
               <a:buFontTx/>
               <a:buChar char="-"/>
             </a:pPr>
             <a:r>
               <a:rPr kumimoji="1" lang="ko-KR" altLang="en-US" sz="1200" dirty="0"/>
-              <a:t> 캘린더를 이용한 다이어리 작성 여부 확인</a:t>
-            </a:r>
-            <a:endParaRPr kumimoji="1" lang="en-US" altLang="ko-KR" sz="1200" dirty="0"/>
+              <a:t>같은 날짜에 두 개의 다이어리를 작성할 수 없어야 한다</a:t>
+            </a:r>
+            <a:r>
+              <a:rPr kumimoji="1" lang="en-US" altLang="ko-KR" sz="1200" dirty="0"/>
+              <a:t>.</a:t>
+            </a:r>
           </a:p>
           <a:p>
             <a:pPr marL="285750" indent="-285750">
+              <a:lnSpc>
+                <a:spcPct val="200000"/>
+              </a:lnSpc>
               <a:buFontTx/>
               <a:buChar char="-"/>
             </a:pPr>
             <a:r>
               <a:rPr kumimoji="1" lang="ko-KR" altLang="en-US" sz="1200" dirty="0"/>
-              <a:t>좌우 버튼으로 바로 이전</a:t>
+              <a:t>해시태그를 통해 검색할 수 있어야 한다</a:t>
+            </a:r>
+            <a:r>
+              <a:rPr kumimoji="1" lang="en-US" altLang="ko-KR" sz="1200" dirty="0"/>
+              <a:t>.</a:t>
+            </a:r>
+          </a:p>
+          <a:p>
+            <a:pPr marL="285750" indent="-285750">
+              <a:lnSpc>
+                <a:spcPct val="200000"/>
+              </a:lnSpc>
+              <a:buFontTx/>
+              <a:buChar char="-"/>
+            </a:pPr>
+            <a:r>
+              <a:rPr kumimoji="1" lang="ko-KR" altLang="en-US" sz="1200" dirty="0"/>
+              <a:t>캘린더에서 작성된 다이어리가 있다면 해당 날짜에 점을 통해 다이어리 작성 여부를 알 수 있어야 한다</a:t>
+            </a:r>
+            <a:r>
+              <a:rPr kumimoji="1" lang="en-US" altLang="ko-KR" sz="1200" dirty="0"/>
+              <a:t>.</a:t>
+            </a:r>
+          </a:p>
+          <a:p>
+            <a:pPr marL="285750" indent="-285750">
+              <a:lnSpc>
+                <a:spcPct val="200000"/>
+              </a:lnSpc>
+              <a:buFontTx/>
+              <a:buChar char="-"/>
+            </a:pPr>
+            <a:r>
+              <a:rPr kumimoji="1" lang="ko-KR" altLang="en-US" sz="1200" dirty="0"/>
+              <a:t>캘린더 해당 날짜를 누르면 작성된 다이어리 정보를 화면에 보여줘야 한다</a:t>
+            </a:r>
+            <a:r>
+              <a:rPr kumimoji="1" lang="en-US" altLang="ko-KR" sz="1200" dirty="0"/>
+              <a:t>.</a:t>
+            </a:r>
+          </a:p>
+          <a:p>
+            <a:pPr marL="285750" indent="-285750">
+              <a:lnSpc>
+                <a:spcPct val="200000"/>
+              </a:lnSpc>
+              <a:buFontTx/>
+              <a:buChar char="-"/>
+            </a:pPr>
+            <a:r>
+              <a:rPr kumimoji="1" lang="ko-KR" altLang="en-US" sz="1200" dirty="0"/>
+              <a:t>이전</a:t>
             </a:r>
             <a:r>
               <a:rPr kumimoji="1" lang="en-US" altLang="ko-KR" sz="1200" dirty="0"/>
@@ -3974,18 +4640,59 @@
             </a:r>
             <a:r>
               <a:rPr kumimoji="1" lang="ko-KR" altLang="en-US" sz="1200" dirty="0"/>
-              <a:t> 다음 다이어리 이동</a:t>
-            </a:r>
-            <a:endParaRPr kumimoji="1" lang="en-US" altLang="ko-KR" sz="1200" dirty="0"/>
-          </a:p>
-        </p:txBody>
-      </p:sp>
-      <p:sp>
-        <p:nvSpPr>
-          <p:cNvPr id="16" name="모서리가 둥근 직사각형 15">
-            <a:extLst>
-              <a:ext uri="{FF2B5EF4-FFF2-40B4-BE49-F238E27FC236}">
-                <a16:creationId xmlns:a16="http://schemas.microsoft.com/office/drawing/2014/main" id="{B30216F3-1DBA-D348-A3B1-CE26B616AC9F}"/>
+              <a:t> 다음 이동 버튼으로 이전</a:t>
+            </a:r>
+            <a:r>
+              <a:rPr kumimoji="1" lang="en-US" altLang="ko-KR" sz="1200" dirty="0"/>
+              <a:t>,</a:t>
+            </a:r>
+            <a:r>
+              <a:rPr kumimoji="1" lang="ko-KR" altLang="en-US" sz="1200" dirty="0"/>
+              <a:t> 다음 다이어리를 보여줘야 한다</a:t>
+            </a:r>
+            <a:r>
+              <a:rPr kumimoji="1" lang="en-US" altLang="ko-KR" sz="1200" dirty="0"/>
+              <a:t>.</a:t>
+            </a:r>
+          </a:p>
+        </p:txBody>
+      </p:sp>
+      <p:pic>
+        <p:nvPicPr>
+          <p:cNvPr id="6" name="그림 5">
+            <a:extLst>
+              <a:ext uri="{FF2B5EF4-FFF2-40B4-BE49-F238E27FC236}">
+                <a16:creationId xmlns:a16="http://schemas.microsoft.com/office/drawing/2014/main" id="{8BACEC9B-A0C2-524E-B4BA-9AB59FEB3958}"/>
+              </a:ext>
+            </a:extLst>
+          </p:cNvPr>
+          <p:cNvPicPr>
+            <a:picLocks noChangeAspect="1"/>
+          </p:cNvPicPr>
+          <p:nvPr/>
+        </p:nvPicPr>
+        <p:blipFill>
+          <a:blip r:embed="rId2"/>
+          <a:stretch>
+            <a:fillRect/>
+          </a:stretch>
+        </p:blipFill>
+        <p:spPr>
+          <a:xfrm>
+            <a:off x="1155940" y="1519220"/>
+            <a:ext cx="2463800" cy="5080000"/>
+          </a:xfrm>
+          <a:prstGeom prst="rect">
+            <a:avLst/>
+          </a:prstGeom>
+        </p:spPr>
+      </p:pic>
+      <p:sp>
+        <p:nvSpPr>
+          <p:cNvPr id="19" name="모서리가 둥근 직사각형 18">
+            <a:extLst>
+              <a:ext uri="{FF2B5EF4-FFF2-40B4-BE49-F238E27FC236}">
+                <a16:creationId xmlns:a16="http://schemas.microsoft.com/office/drawing/2014/main" id="{68E7DA17-2A38-5242-B2D6-BCAA7629F6CF}"/>
               </a:ext>
             </a:extLst>
           </p:cNvPr>
@@ -3994,8 +4701,55 @@
         </p:nvSpPr>
         <p:spPr>
           <a:xfrm>
-            <a:off x="9038521" y="89233"/>
-            <a:ext cx="2332653" cy="821093"/>
+            <a:off x="2507846" y="5432856"/>
+            <a:ext cx="707366" cy="172528"/>
+          </a:xfrm>
+          <a:prstGeom prst="roundRect">
+            <a:avLst/>
+          </a:prstGeom>
+          <a:ln>
+            <a:noFill/>
+          </a:ln>
+        </p:spPr>
+        <p:style>
+          <a:lnRef idx="2">
+            <a:schemeClr val="accent6"/>
+          </a:lnRef>
+          <a:fillRef idx="1">
+            <a:schemeClr val="lt1"/>
+          </a:fillRef>
+          <a:effectRef idx="0">
+            <a:schemeClr val="accent6"/>
+          </a:effectRef>
+          <a:fontRef idx="minor">
+            <a:schemeClr val="dk1"/>
+          </a:fontRef>
+        </p:style>
+        <p:txBody>
+          <a:bodyPr rtlCol="0" anchor="ctr"/>
+          <a:lstStyle/>
+          <a:p>
+            <a:pPr algn="ctr"/>
+            <a:endParaRPr kumimoji="1" lang="ko-Kore-KR" altLang="en-US"/>
+          </a:p>
+        </p:txBody>
+      </p:sp>
+      <p:sp>
+        <p:nvSpPr>
+          <p:cNvPr id="13" name="모서리가 둥근 직사각형 12">
+            <a:extLst>
+              <a:ext uri="{FF2B5EF4-FFF2-40B4-BE49-F238E27FC236}">
+                <a16:creationId xmlns:a16="http://schemas.microsoft.com/office/drawing/2014/main" id="{FCA2D6E0-EA4F-3A06-F295-8E1FAEF1CAE5}"/>
+              </a:ext>
+            </a:extLst>
+          </p:cNvPr>
+          <p:cNvSpPr/>
+          <p:nvPr/>
+        </p:nvSpPr>
+        <p:spPr>
+          <a:xfrm>
+            <a:off x="1155940" y="560729"/>
+            <a:ext cx="2829464" cy="612476"/>
           </a:xfrm>
           <a:prstGeom prst="roundRect">
             <a:avLst/>
@@ -4029,65 +4783,93 @@
           <a:p>
             <a:pPr algn="ctr"/>
             <a:r>
-              <a:rPr kumimoji="1" lang="en-US" altLang="ko-Kore-KR" sz="3600" dirty="0">
+              <a:rPr kumimoji="1" lang="ko-Kore-KR" altLang="en-US" sz="2400" dirty="0">
                 <a:latin typeface="Nanum Brush Script" panose="03060600000000000000" pitchFamily="66" charset="-127"/>
                 <a:ea typeface="Nanum Brush Script" panose="03060600000000000000" pitchFamily="66" charset="-127"/>
               </a:rPr>
-              <a:t>Setting VC</a:t>
-            </a:r>
-            <a:endParaRPr kumimoji="1" lang="ko-Kore-KR" altLang="en-US" sz="3600" dirty="0">
+              <a:t>상세기능</a:t>
+            </a:r>
+            <a:r>
+              <a:rPr kumimoji="1" lang="ko-KR" altLang="en-US" sz="2400" dirty="0">
+                <a:latin typeface="Nanum Brush Script" panose="03060600000000000000" pitchFamily="66" charset="-127"/>
+                <a:ea typeface="Nanum Brush Script" panose="03060600000000000000" pitchFamily="66" charset="-127"/>
+              </a:rPr>
+              <a:t> 요구사항 </a:t>
+            </a:r>
+            <a:r>
+              <a:rPr kumimoji="1" lang="en-US" altLang="ko-KR" sz="2400" dirty="0">
+                <a:latin typeface="Nanum Brush Script" panose="03060600000000000000" pitchFamily="66" charset="-127"/>
+                <a:ea typeface="Nanum Brush Script" panose="03060600000000000000" pitchFamily="66" charset="-127"/>
+              </a:rPr>
+              <a:t>-</a:t>
+            </a:r>
+            <a:r>
+              <a:rPr kumimoji="1" lang="ko-KR" altLang="en-US" sz="2400" dirty="0">
+                <a:latin typeface="Nanum Brush Script" panose="03060600000000000000" pitchFamily="66" charset="-127"/>
+                <a:ea typeface="Nanum Brush Script" panose="03060600000000000000" pitchFamily="66" charset="-127"/>
+              </a:rPr>
+              <a:t> </a:t>
+            </a:r>
+            <a:r>
+              <a:rPr kumimoji="1" lang="en-US" altLang="ko-KR" sz="2400" dirty="0">
+                <a:latin typeface="Nanum Brush Script" panose="03060600000000000000" pitchFamily="66" charset="-127"/>
+                <a:ea typeface="Nanum Brush Script" panose="03060600000000000000" pitchFamily="66" charset="-127"/>
+              </a:rPr>
+              <a:t>Diary</a:t>
+            </a:r>
+            <a:endParaRPr kumimoji="1" lang="ko-Kore-KR" altLang="en-US" sz="2400" dirty="0">
               <a:latin typeface="Nanum Brush Script" panose="03060600000000000000" pitchFamily="66" charset="-127"/>
               <a:ea typeface="Nanum Brush Script" panose="03060600000000000000" pitchFamily="66" charset="-127"/>
             </a:endParaRPr>
           </a:p>
         </p:txBody>
       </p:sp>
-      <p:pic>
-        <p:nvPicPr>
-          <p:cNvPr id="17" name="그림 16">
-            <a:extLst>
-              <a:ext uri="{FF2B5EF4-FFF2-40B4-BE49-F238E27FC236}">
-                <a16:creationId xmlns:a16="http://schemas.microsoft.com/office/drawing/2014/main" id="{49AD6018-438E-EE49-ADEC-E80496DB552F}"/>
-              </a:ext>
-            </a:extLst>
-          </p:cNvPr>
-          <p:cNvPicPr>
-            <a:picLocks noChangeAspect="1"/>
-          </p:cNvPicPr>
+    </p:spTree>
+    <p:extLst>
+      <p:ext uri="{BB962C8B-B14F-4D97-AF65-F5344CB8AC3E}">
+        <p14:creationId xmlns:p14="http://schemas.microsoft.com/office/powerpoint/2010/main" val="1732633793"/>
+      </p:ext>
+    </p:extLst>
+  </p:cSld>
+  <p:clrMapOvr>
+    <a:masterClrMapping/>
+  </p:clrMapOvr>
+</p:sld>
+</file>
+
+<file path=ppt/slides/slide4.xml><?xml version="1.0" encoding="utf-8"?>
+<p:sld xmlns:a="http://schemas.openxmlformats.org/drawingml/2006/main" xmlns:r="http://schemas.openxmlformats.org/officeDocument/2006/relationships" xmlns:p="http://schemas.openxmlformats.org/presentationml/2006/main">
+  <p:cSld>
+    <p:spTree>
+      <p:nvGrpSpPr>
+        <p:cNvPr id="1" name=""/>
+        <p:cNvGrpSpPr/>
+        <p:nvPr/>
+      </p:nvGrpSpPr>
+      <p:grpSpPr>
+        <a:xfrm>
+          <a:off x="0" y="0"/>
+          <a:ext cx="0" cy="0"/>
+          <a:chOff x="0" y="0"/>
+          <a:chExt cx="0" cy="0"/>
+        </a:xfrm>
+      </p:grpSpPr>
+      <p:sp>
+        <p:nvSpPr>
+          <p:cNvPr id="15" name="모서리가 둥근 직사각형 14">
+            <a:extLst>
+              <a:ext uri="{FF2B5EF4-FFF2-40B4-BE49-F238E27FC236}">
+                <a16:creationId xmlns:a16="http://schemas.microsoft.com/office/drawing/2014/main" id="{AA749719-FB3F-C643-BE9B-94F59C0FAB6B}"/>
+              </a:ext>
+            </a:extLst>
+          </p:cNvPr>
+          <p:cNvSpPr/>
           <p:nvPr/>
-        </p:nvPicPr>
-        <p:blipFill>
-          <a:blip r:embed="rId4"/>
-          <a:stretch>
-            <a:fillRect/>
-          </a:stretch>
-        </p:blipFill>
+        </p:nvSpPr>
         <p:spPr>
           <a:xfrm>
-            <a:off x="8972947" y="910326"/>
-            <a:ext cx="2463800" cy="5080000"/>
-          </a:xfrm>
-          <a:prstGeom prst="rect">
-            <a:avLst/>
-          </a:prstGeom>
-        </p:spPr>
-      </p:pic>
-      <p:sp>
-        <p:nvSpPr>
-          <p:cNvPr id="18" name="모서리가 둥근 직사각형 17">
-            <a:extLst>
-              <a:ext uri="{FF2B5EF4-FFF2-40B4-BE49-F238E27FC236}">
-                <a16:creationId xmlns:a16="http://schemas.microsoft.com/office/drawing/2014/main" id="{D56B4ABF-EDD8-2945-91CC-D466A742E2E5}"/>
-              </a:ext>
-            </a:extLst>
-          </p:cNvPr>
-          <p:cNvSpPr/>
-          <p:nvPr/>
-        </p:nvSpPr>
-        <p:spPr>
-          <a:xfrm>
-            <a:off x="8314852" y="5270326"/>
-            <a:ext cx="3780000" cy="1440000"/>
+            <a:off x="4629629" y="1559220"/>
+            <a:ext cx="5400000" cy="5040000"/>
           </a:xfrm>
           <a:prstGeom prst="roundRect">
             <a:avLst/>
@@ -4120,50 +4902,284 @@
           <a:lstStyle/>
           <a:p>
             <a:pPr marL="285750" indent="-285750">
+              <a:lnSpc>
+                <a:spcPct val="200000"/>
+              </a:lnSpc>
               <a:buFontTx/>
               <a:buChar char="-"/>
             </a:pPr>
             <a:r>
+              <a:rPr kumimoji="1" lang="ko-KR" altLang="en-US" sz="1200" dirty="0" err="1"/>
+              <a:t>투두를</a:t>
+            </a:r>
+            <a:r>
               <a:rPr kumimoji="1" lang="ko-KR" altLang="en-US" sz="1200" dirty="0"/>
-              <a:t>날짜 형식 변경 기능</a:t>
-            </a:r>
-            <a:endParaRPr kumimoji="1" lang="en-US" altLang="ko-KR" sz="1200" dirty="0"/>
+              <a:t> 추가</a:t>
+            </a:r>
+            <a:r>
+              <a:rPr kumimoji="1" lang="en-US" altLang="ko-KR" sz="1200" dirty="0"/>
+              <a:t>,</a:t>
+            </a:r>
+            <a:r>
+              <a:rPr kumimoji="1" lang="ko-KR" altLang="en-US" sz="1200" dirty="0"/>
+              <a:t> 수정</a:t>
+            </a:r>
+            <a:r>
+              <a:rPr kumimoji="1" lang="en-US" altLang="ko-KR" sz="1200" dirty="0"/>
+              <a:t>,</a:t>
+            </a:r>
+            <a:r>
+              <a:rPr kumimoji="1" lang="ko-KR" altLang="en-US" sz="1200" dirty="0"/>
+              <a:t> 삭제 할 수 있어야한다</a:t>
+            </a:r>
+            <a:r>
+              <a:rPr kumimoji="1" lang="en-US" altLang="ko-KR" sz="1200" dirty="0"/>
+              <a:t>.</a:t>
+            </a:r>
           </a:p>
           <a:p>
             <a:pPr marL="285750" indent="-285750">
+              <a:lnSpc>
+                <a:spcPct val="200000"/>
+              </a:lnSpc>
               <a:buFontTx/>
               <a:buChar char="-"/>
             </a:pPr>
             <a:r>
+              <a:rPr kumimoji="1" lang="ko-KR" altLang="en-US" sz="1200" dirty="0" err="1"/>
+              <a:t>투두</a:t>
+            </a:r>
+            <a:r>
               <a:rPr kumimoji="1" lang="ko-KR" altLang="en-US" sz="1200" dirty="0"/>
-              <a:t>글씨 크기 변경 기능</a:t>
-            </a:r>
-            <a:endParaRPr kumimoji="1" lang="en-US" altLang="ko-KR" sz="1200" dirty="0"/>
+              <a:t> 정보는 제목</a:t>
+            </a:r>
+            <a:r>
+              <a:rPr kumimoji="1" lang="en-US" altLang="ko-KR" sz="1200" dirty="0"/>
+              <a:t>,</a:t>
+            </a:r>
+            <a:r>
+              <a:rPr kumimoji="1" lang="ko-KR" altLang="en-US" sz="1200" dirty="0"/>
+              <a:t> 메모</a:t>
+            </a:r>
+            <a:r>
+              <a:rPr kumimoji="1" lang="en-US" altLang="ko-KR" sz="1200" dirty="0"/>
+              <a:t>,</a:t>
+            </a:r>
+            <a:r>
+              <a:rPr kumimoji="1" lang="ko-KR" altLang="en-US" sz="1200" dirty="0"/>
+              <a:t> 시작날짜</a:t>
+            </a:r>
+            <a:r>
+              <a:rPr kumimoji="1" lang="en-US" altLang="ko-KR" sz="1200" dirty="0"/>
+              <a:t>,</a:t>
+            </a:r>
+            <a:r>
+              <a:rPr kumimoji="1" lang="ko-KR" altLang="en-US" sz="1200" dirty="0"/>
+              <a:t> 종료날짜를 포함 해야 한다</a:t>
+            </a:r>
+            <a:r>
+              <a:rPr kumimoji="1" lang="en-US" altLang="ko-KR" sz="1200" dirty="0"/>
+              <a:t>.</a:t>
+            </a:r>
           </a:p>
           <a:p>
             <a:pPr marL="285750" indent="-285750">
+              <a:lnSpc>
+                <a:spcPct val="200000"/>
+              </a:lnSpc>
               <a:buFontTx/>
               <a:buChar char="-"/>
             </a:pPr>
             <a:r>
               <a:rPr kumimoji="1" lang="ko-KR" altLang="en-US" sz="1200" dirty="0"/>
-              <a:t>글꼴 변경 기능</a:t>
-            </a:r>
-            <a:endParaRPr kumimoji="1" lang="en-US" altLang="ko-KR" sz="1200" dirty="0"/>
+              <a:t>종료날짜까지는 </a:t>
+            </a:r>
+            <a:r>
+              <a:rPr kumimoji="1" lang="ko-KR" altLang="en-US" sz="1200" dirty="0" err="1"/>
+              <a:t>투두에</a:t>
+            </a:r>
+            <a:r>
+              <a:rPr kumimoji="1" lang="ko-KR" altLang="en-US" sz="1200" dirty="0"/>
+              <a:t> 계속해서 보여줘야 한다</a:t>
+            </a:r>
+            <a:r>
+              <a:rPr kumimoji="1" lang="en-US" altLang="ko-KR" sz="1200" dirty="0"/>
+              <a:t>.</a:t>
+            </a:r>
           </a:p>
           <a:p>
             <a:pPr marL="285750" indent="-285750">
+              <a:lnSpc>
+                <a:spcPct val="200000"/>
+              </a:lnSpc>
               <a:buFontTx/>
               <a:buChar char="-"/>
             </a:pPr>
             <a:r>
+              <a:rPr kumimoji="1" lang="ko-KR" altLang="en-US" sz="1200" dirty="0" err="1"/>
+              <a:t>투두</a:t>
+            </a:r>
+            <a:r>
               <a:rPr kumimoji="1" lang="ko-KR" altLang="en-US" sz="1200" dirty="0"/>
-              <a:t>필름 변경 기능</a:t>
-            </a:r>
-            <a:endParaRPr kumimoji="1" lang="en-US" altLang="ko-KR" sz="1200" dirty="0"/>
-          </a:p>
-        </p:txBody>
-      </p:sp>
+              <a:t> 버튼이 체크되면 글씨를 흐리게 </a:t>
+            </a:r>
+            <a:r>
+              <a:rPr kumimoji="1" lang="ko-KR" altLang="en-US" sz="1200" dirty="0" err="1"/>
+              <a:t>바꿔줘야한다</a:t>
+            </a:r>
+            <a:r>
+              <a:rPr kumimoji="1" lang="en-US" altLang="ko-KR" sz="1200" dirty="0"/>
+              <a:t>.</a:t>
+            </a:r>
+          </a:p>
+          <a:p>
+            <a:pPr marL="285750" indent="-285750">
+              <a:lnSpc>
+                <a:spcPct val="200000"/>
+              </a:lnSpc>
+              <a:buFontTx/>
+              <a:buChar char="-"/>
+            </a:pPr>
+            <a:r>
+              <a:rPr kumimoji="1" lang="ko-KR" altLang="en-US" sz="1200" dirty="0"/>
+              <a:t>체크된 버튼의 개수로 주간 성취율을 보여줘야 한다</a:t>
+            </a:r>
+            <a:r>
+              <a:rPr kumimoji="1" lang="en-US" altLang="ko-KR" sz="1200" dirty="0"/>
+              <a:t>.</a:t>
+            </a:r>
+          </a:p>
+          <a:p>
+            <a:pPr marL="285750" indent="-285750">
+              <a:lnSpc>
+                <a:spcPct val="200000"/>
+              </a:lnSpc>
+              <a:buFontTx/>
+              <a:buChar char="-"/>
+            </a:pPr>
+            <a:r>
+              <a:rPr kumimoji="1" lang="ko-KR" altLang="en-US" sz="1200" dirty="0"/>
+              <a:t>캘린더에서 작성된 </a:t>
+            </a:r>
+            <a:r>
+              <a:rPr kumimoji="1" lang="ko-KR" altLang="en-US" sz="1200" dirty="0" err="1"/>
+              <a:t>투두가</a:t>
+            </a:r>
+            <a:r>
+              <a:rPr kumimoji="1" lang="ko-KR" altLang="en-US" sz="1200" dirty="0"/>
+              <a:t> 있다면 해당 날짜에 점을 통해 </a:t>
+            </a:r>
+            <a:r>
+              <a:rPr kumimoji="1" lang="ko-KR" altLang="en-US" sz="1200" dirty="0" err="1"/>
+              <a:t>투두</a:t>
+            </a:r>
+            <a:r>
+              <a:rPr kumimoji="1" lang="ko-KR" altLang="en-US" sz="1200" dirty="0"/>
+              <a:t> 작성 여부를 알 수 있어야 한다</a:t>
+            </a:r>
+            <a:r>
+              <a:rPr kumimoji="1" lang="en-US" altLang="ko-KR" sz="1200" dirty="0"/>
+              <a:t>.</a:t>
+            </a:r>
+          </a:p>
+          <a:p>
+            <a:pPr marL="285750" indent="-285750">
+              <a:lnSpc>
+                <a:spcPct val="200000"/>
+              </a:lnSpc>
+              <a:buFontTx/>
+              <a:buChar char="-"/>
+            </a:pPr>
+            <a:r>
+              <a:rPr kumimoji="1" lang="ko-KR" altLang="en-US" sz="1200" dirty="0"/>
+              <a:t>캘린더 해당 날짜를 누르면 작성된 </a:t>
+            </a:r>
+            <a:r>
+              <a:rPr kumimoji="1" lang="ko-KR" altLang="en-US" sz="1200" dirty="0" err="1"/>
+              <a:t>투두</a:t>
+            </a:r>
+            <a:r>
+              <a:rPr kumimoji="1" lang="ko-KR" altLang="en-US" sz="1200" dirty="0"/>
+              <a:t> 정보를 화면에 보여줘야 한다</a:t>
+            </a:r>
+            <a:r>
+              <a:rPr kumimoji="1" lang="en-US" altLang="ko-KR" sz="1200" dirty="0"/>
+              <a:t>.</a:t>
+            </a:r>
+          </a:p>
+          <a:p>
+            <a:pPr marL="285750" indent="-285750">
+              <a:lnSpc>
+                <a:spcPct val="200000"/>
+              </a:lnSpc>
+              <a:buFontTx/>
+              <a:buChar char="-"/>
+            </a:pPr>
+            <a:r>
+              <a:rPr kumimoji="1" lang="ko-KR" altLang="en-US" sz="1200" dirty="0"/>
+              <a:t>이전</a:t>
+            </a:r>
+            <a:r>
+              <a:rPr kumimoji="1" lang="en-US" altLang="ko-KR" sz="1200" dirty="0"/>
+              <a:t>,</a:t>
+            </a:r>
+            <a:r>
+              <a:rPr kumimoji="1" lang="ko-KR" altLang="en-US" sz="1200" dirty="0"/>
+              <a:t> 다음 이동 버튼으로 이전</a:t>
+            </a:r>
+            <a:r>
+              <a:rPr kumimoji="1" lang="en-US" altLang="ko-KR" sz="1200" dirty="0"/>
+              <a:t>,</a:t>
+            </a:r>
+            <a:r>
+              <a:rPr kumimoji="1" lang="ko-KR" altLang="en-US" sz="1200" dirty="0"/>
+              <a:t> 다음 </a:t>
+            </a:r>
+            <a:r>
+              <a:rPr kumimoji="1" lang="ko-KR" altLang="en-US" sz="1200" dirty="0" err="1"/>
+              <a:t>투두를</a:t>
+            </a:r>
+            <a:r>
+              <a:rPr kumimoji="1" lang="ko-KR" altLang="en-US" sz="1200" dirty="0"/>
+              <a:t> 보여줘야 한다</a:t>
+            </a:r>
+            <a:r>
+              <a:rPr kumimoji="1" lang="en-US" altLang="ko-KR" sz="1200" dirty="0"/>
+              <a:t>.</a:t>
+            </a:r>
+          </a:p>
+        </p:txBody>
+      </p:sp>
+      <p:pic>
+        <p:nvPicPr>
+          <p:cNvPr id="14" name="그림 13">
+            <a:extLst>
+              <a:ext uri="{FF2B5EF4-FFF2-40B4-BE49-F238E27FC236}">
+                <a16:creationId xmlns:a16="http://schemas.microsoft.com/office/drawing/2014/main" id="{08929FB7-0053-5341-A0EA-B0E61F68F963}"/>
+              </a:ext>
+            </a:extLst>
+          </p:cNvPr>
+          <p:cNvPicPr>
+            <a:picLocks noChangeAspect="1"/>
+          </p:cNvPicPr>
+          <p:nvPr/>
+        </p:nvPicPr>
+        <p:blipFill>
+          <a:blip r:embed="rId2"/>
+          <a:stretch>
+            <a:fillRect/>
+          </a:stretch>
+        </p:blipFill>
+        <p:spPr>
+          <a:xfrm>
+            <a:off x="1155940" y="1519620"/>
+            <a:ext cx="2463800" cy="5079600"/>
+          </a:xfrm>
+          <a:prstGeom prst="rect">
+            <a:avLst/>
+          </a:prstGeom>
+        </p:spPr>
+      </p:pic>
       <p:sp>
         <p:nvSpPr>
           <p:cNvPr id="19" name="모서리가 둥근 직사각형 18">
@@ -4178,7 +5194,7 @@
         </p:nvSpPr>
         <p:spPr>
           <a:xfrm>
-            <a:off x="2199736" y="4779034"/>
+            <a:off x="1946710" y="4514344"/>
             <a:ext cx="707366" cy="172528"/>
           </a:xfrm>
           <a:prstGeom prst="roundRect">
@@ -4211,10 +5227,1844 @@
           </a:p>
         </p:txBody>
       </p:sp>
+      <p:sp>
+        <p:nvSpPr>
+          <p:cNvPr id="13" name="모서리가 둥근 직사각형 12">
+            <a:extLst>
+              <a:ext uri="{FF2B5EF4-FFF2-40B4-BE49-F238E27FC236}">
+                <a16:creationId xmlns:a16="http://schemas.microsoft.com/office/drawing/2014/main" id="{09FD8AE6-733A-CC7D-BF77-30C7BDCE7FB4}"/>
+              </a:ext>
+            </a:extLst>
+          </p:cNvPr>
+          <p:cNvSpPr/>
+          <p:nvPr/>
+        </p:nvSpPr>
+        <p:spPr>
+          <a:xfrm>
+            <a:off x="1155940" y="560729"/>
+            <a:ext cx="2829464" cy="612476"/>
+          </a:xfrm>
+          <a:prstGeom prst="roundRect">
+            <a:avLst/>
+          </a:prstGeom>
+          <a:solidFill>
+            <a:srgbClr val="FD997D"/>
+          </a:solidFill>
+          <a:ln>
+            <a:noFill/>
+          </a:ln>
+        </p:spPr>
+        <p:style>
+          <a:lnRef idx="2">
+            <a:schemeClr val="accent1">
+              <a:shade val="50000"/>
+            </a:schemeClr>
+          </a:lnRef>
+          <a:fillRef idx="1">
+            <a:schemeClr val="accent1"/>
+          </a:fillRef>
+          <a:effectRef idx="0">
+            <a:schemeClr val="accent1"/>
+          </a:effectRef>
+          <a:fontRef idx="minor">
+            <a:schemeClr val="lt1"/>
+          </a:fontRef>
+        </p:style>
+        <p:txBody>
+          <a:bodyPr rtlCol="0" anchor="ctr"/>
+          <a:lstStyle/>
+          <a:p>
+            <a:pPr algn="ctr"/>
+            <a:r>
+              <a:rPr kumimoji="1" lang="ko-Kore-KR" altLang="en-US" sz="2400" dirty="0">
+                <a:latin typeface="Nanum Brush Script" panose="03060600000000000000" pitchFamily="66" charset="-127"/>
+                <a:ea typeface="Nanum Brush Script" panose="03060600000000000000" pitchFamily="66" charset="-127"/>
+              </a:rPr>
+              <a:t>상세기능</a:t>
+            </a:r>
+            <a:r>
+              <a:rPr kumimoji="1" lang="ko-KR" altLang="en-US" sz="2400" dirty="0">
+                <a:latin typeface="Nanum Brush Script" panose="03060600000000000000" pitchFamily="66" charset="-127"/>
+                <a:ea typeface="Nanum Brush Script" panose="03060600000000000000" pitchFamily="66" charset="-127"/>
+              </a:rPr>
+              <a:t> 요구사항 </a:t>
+            </a:r>
+            <a:r>
+              <a:rPr kumimoji="1" lang="en-US" altLang="ko-KR" sz="2400" dirty="0">
+                <a:latin typeface="Nanum Brush Script" panose="03060600000000000000" pitchFamily="66" charset="-127"/>
+                <a:ea typeface="Nanum Brush Script" panose="03060600000000000000" pitchFamily="66" charset="-127"/>
+              </a:rPr>
+              <a:t>-</a:t>
+            </a:r>
+            <a:r>
+              <a:rPr kumimoji="1" lang="ko-KR" altLang="en-US" sz="2400" dirty="0">
+                <a:latin typeface="Nanum Brush Script" panose="03060600000000000000" pitchFamily="66" charset="-127"/>
+                <a:ea typeface="Nanum Brush Script" panose="03060600000000000000" pitchFamily="66" charset="-127"/>
+              </a:rPr>
+              <a:t> </a:t>
+            </a:r>
+            <a:r>
+              <a:rPr kumimoji="1" lang="en-US" altLang="ko-KR" sz="2400" dirty="0">
+                <a:latin typeface="Nanum Brush Script" panose="03060600000000000000" pitchFamily="66" charset="-127"/>
+                <a:ea typeface="Nanum Brush Script" panose="03060600000000000000" pitchFamily="66" charset="-127"/>
+              </a:rPr>
+              <a:t>To</a:t>
+            </a:r>
+            <a:r>
+              <a:rPr kumimoji="1" lang="ko-KR" altLang="en-US" sz="2400" dirty="0">
+                <a:latin typeface="Nanum Brush Script" panose="03060600000000000000" pitchFamily="66" charset="-127"/>
+                <a:ea typeface="Nanum Brush Script" panose="03060600000000000000" pitchFamily="66" charset="-127"/>
+              </a:rPr>
+              <a:t> </a:t>
+            </a:r>
+            <a:r>
+              <a:rPr kumimoji="1" lang="en-US" altLang="ko-KR" sz="2400" dirty="0">
+                <a:latin typeface="Nanum Brush Script" panose="03060600000000000000" pitchFamily="66" charset="-127"/>
+                <a:ea typeface="Nanum Brush Script" panose="03060600000000000000" pitchFamily="66" charset="-127"/>
+              </a:rPr>
+              <a:t>Do</a:t>
+            </a:r>
+            <a:endParaRPr kumimoji="1" lang="ko-Kore-KR" altLang="en-US" sz="2400" dirty="0">
+              <a:latin typeface="Nanum Brush Script" panose="03060600000000000000" pitchFamily="66" charset="-127"/>
+              <a:ea typeface="Nanum Brush Script" panose="03060600000000000000" pitchFamily="66" charset="-127"/>
+            </a:endParaRPr>
+          </a:p>
+        </p:txBody>
+      </p:sp>
     </p:spTree>
     <p:extLst>
       <p:ext uri="{BB962C8B-B14F-4D97-AF65-F5344CB8AC3E}">
         <p14:creationId xmlns:p14="http://schemas.microsoft.com/office/powerpoint/2010/main" val="903789450"/>
+      </p:ext>
+    </p:extLst>
+  </p:cSld>
+  <p:clrMapOvr>
+    <a:masterClrMapping/>
+  </p:clrMapOvr>
+</p:sld>
+</file>
+
+<file path=ppt/slides/slide5.xml><?xml version="1.0" encoding="utf-8"?>
+<p:sld xmlns:a="http://schemas.openxmlformats.org/drawingml/2006/main" xmlns:r="http://schemas.openxmlformats.org/officeDocument/2006/relationships" xmlns:p="http://schemas.openxmlformats.org/presentationml/2006/main">
+  <p:cSld>
+    <p:spTree>
+      <p:nvGrpSpPr>
+        <p:cNvPr id="1" name=""/>
+        <p:cNvGrpSpPr/>
+        <p:nvPr/>
+      </p:nvGrpSpPr>
+      <p:grpSpPr>
+        <a:xfrm>
+          <a:off x="0" y="0"/>
+          <a:ext cx="0" cy="0"/>
+          <a:chOff x="0" y="0"/>
+          <a:chExt cx="0" cy="0"/>
+        </a:xfrm>
+      </p:grpSpPr>
+      <p:pic>
+        <p:nvPicPr>
+          <p:cNvPr id="17" name="그림 16">
+            <a:extLst>
+              <a:ext uri="{FF2B5EF4-FFF2-40B4-BE49-F238E27FC236}">
+                <a16:creationId xmlns:a16="http://schemas.microsoft.com/office/drawing/2014/main" id="{49AD6018-438E-EE49-ADEC-E80496DB552F}"/>
+              </a:ext>
+            </a:extLst>
+          </p:cNvPr>
+          <p:cNvPicPr>
+            <a:picLocks noChangeAspect="1"/>
+          </p:cNvPicPr>
+          <p:nvPr/>
+        </p:nvPicPr>
+        <p:blipFill>
+          <a:blip r:embed="rId2"/>
+          <a:stretch>
+            <a:fillRect/>
+          </a:stretch>
+        </p:blipFill>
+        <p:spPr>
+          <a:xfrm>
+            <a:off x="1155940" y="1519220"/>
+            <a:ext cx="2463800" cy="5080000"/>
+          </a:xfrm>
+          <a:prstGeom prst="rect">
+            <a:avLst/>
+          </a:prstGeom>
+        </p:spPr>
+      </p:pic>
+      <p:sp>
+        <p:nvSpPr>
+          <p:cNvPr id="18" name="모서리가 둥근 직사각형 17">
+            <a:extLst>
+              <a:ext uri="{FF2B5EF4-FFF2-40B4-BE49-F238E27FC236}">
+                <a16:creationId xmlns:a16="http://schemas.microsoft.com/office/drawing/2014/main" id="{D56B4ABF-EDD8-2945-91CC-D466A742E2E5}"/>
+              </a:ext>
+            </a:extLst>
+          </p:cNvPr>
+          <p:cNvSpPr/>
+          <p:nvPr/>
+        </p:nvSpPr>
+        <p:spPr>
+          <a:xfrm>
+            <a:off x="4611316" y="1559220"/>
+            <a:ext cx="5400000" cy="5040000"/>
+          </a:xfrm>
+          <a:prstGeom prst="roundRect">
+            <a:avLst/>
+          </a:prstGeom>
+          <a:solidFill>
+            <a:srgbClr val="FD997D"/>
+          </a:solidFill>
+          <a:ln>
+            <a:noFill/>
+          </a:ln>
+        </p:spPr>
+        <p:style>
+          <a:lnRef idx="2">
+            <a:schemeClr val="accent1">
+              <a:shade val="50000"/>
+            </a:schemeClr>
+          </a:lnRef>
+          <a:fillRef idx="1">
+            <a:schemeClr val="accent1"/>
+          </a:fillRef>
+          <a:effectRef idx="0">
+            <a:schemeClr val="accent1"/>
+          </a:effectRef>
+          <a:fontRef idx="minor">
+            <a:schemeClr val="lt1"/>
+          </a:fontRef>
+        </p:style>
+        <p:txBody>
+          <a:bodyPr rtlCol="0" anchor="ctr"/>
+          <a:lstStyle/>
+          <a:p>
+            <a:pPr marL="285750" indent="-285750">
+              <a:lnSpc>
+                <a:spcPct val="200000"/>
+              </a:lnSpc>
+              <a:buFontTx/>
+              <a:buChar char="-"/>
+            </a:pPr>
+            <a:r>
+              <a:rPr kumimoji="1" lang="ko-KR" altLang="en-US" sz="1200" dirty="0"/>
+              <a:t>날짜 형식을 나타내는 정보를 보여줘야한다</a:t>
+            </a:r>
+            <a:r>
+              <a:rPr kumimoji="1" lang="en-US" altLang="ko-KR" sz="1200" dirty="0"/>
+              <a:t>.</a:t>
+            </a:r>
+          </a:p>
+          <a:p>
+            <a:pPr marL="285750" indent="-285750">
+              <a:lnSpc>
+                <a:spcPct val="200000"/>
+              </a:lnSpc>
+              <a:buFontTx/>
+              <a:buChar char="-"/>
+            </a:pPr>
+            <a:r>
+              <a:rPr kumimoji="1" lang="ko-KR" altLang="en-US" sz="1200" dirty="0"/>
+              <a:t>날짜 형식을 선택해서 변경했을 때</a:t>
+            </a:r>
+            <a:r>
+              <a:rPr kumimoji="1" lang="en-US" altLang="ko-KR" sz="1200" dirty="0"/>
+              <a:t>,</a:t>
+            </a:r>
+            <a:r>
+              <a:rPr kumimoji="1" lang="ko-KR" altLang="en-US" sz="1200" dirty="0"/>
+              <a:t> 다이어리와 </a:t>
+            </a:r>
+            <a:r>
+              <a:rPr kumimoji="1" lang="ko-KR" altLang="en-US" sz="1200" dirty="0" err="1"/>
+              <a:t>투두의</a:t>
+            </a:r>
+            <a:r>
+              <a:rPr kumimoji="1" lang="ko-KR" altLang="en-US" sz="1200" dirty="0"/>
+              <a:t> 날짜 형식을 변경해야 한다</a:t>
+            </a:r>
+            <a:r>
+              <a:rPr kumimoji="1" lang="en-US" altLang="ko-KR" sz="1200" dirty="0"/>
+              <a:t>.</a:t>
+            </a:r>
+          </a:p>
+          <a:p>
+            <a:pPr marL="285750" indent="-285750">
+              <a:lnSpc>
+                <a:spcPct val="200000"/>
+              </a:lnSpc>
+              <a:buFontTx/>
+              <a:buChar char="-"/>
+            </a:pPr>
+            <a:r>
+              <a:rPr kumimoji="1" lang="ko-KR" altLang="en-US" sz="1200" dirty="0"/>
+              <a:t>글자 크기를 나타내는 정보를 보여줘야한다</a:t>
+            </a:r>
+            <a:r>
+              <a:rPr kumimoji="1" lang="en-US" altLang="ko-KR" sz="1200" dirty="0"/>
+              <a:t>.</a:t>
+            </a:r>
+          </a:p>
+          <a:p>
+            <a:pPr marL="285750" indent="-285750">
+              <a:lnSpc>
+                <a:spcPct val="200000"/>
+              </a:lnSpc>
+              <a:buFontTx/>
+              <a:buChar char="-"/>
+            </a:pPr>
+            <a:r>
+              <a:rPr kumimoji="1" lang="ko-KR" altLang="en-US" sz="1200" dirty="0"/>
+              <a:t>글자 크기를 선택해서 변경했을 때</a:t>
+            </a:r>
+            <a:r>
+              <a:rPr kumimoji="1" lang="en-US" altLang="ko-KR" sz="1200" dirty="0"/>
+              <a:t>,</a:t>
+            </a:r>
+            <a:r>
+              <a:rPr kumimoji="1" lang="ko-KR" altLang="en-US" sz="1200" dirty="0"/>
+              <a:t> 다이어리와 </a:t>
+            </a:r>
+            <a:r>
+              <a:rPr kumimoji="1" lang="ko-KR" altLang="en-US" sz="1200" dirty="0" err="1"/>
+              <a:t>투두의</a:t>
+            </a:r>
+            <a:r>
+              <a:rPr kumimoji="1" lang="ko-KR" altLang="en-US" sz="1200" dirty="0"/>
+              <a:t> 글자 크기를 변경해야 한다</a:t>
+            </a:r>
+            <a:r>
+              <a:rPr kumimoji="1" lang="en-US" altLang="ko-KR" sz="1200" dirty="0"/>
+              <a:t>.</a:t>
+            </a:r>
+          </a:p>
+          <a:p>
+            <a:pPr marL="285750" indent="-285750">
+              <a:lnSpc>
+                <a:spcPct val="200000"/>
+              </a:lnSpc>
+              <a:buFontTx/>
+              <a:buChar char="-"/>
+            </a:pPr>
+            <a:r>
+              <a:rPr kumimoji="1" lang="ko-KR" altLang="en-US" sz="1200" dirty="0"/>
+              <a:t>글꼴 정보를 보여줘야한다</a:t>
+            </a:r>
+            <a:r>
+              <a:rPr kumimoji="1" lang="en-US" altLang="ko-KR" sz="1200" dirty="0"/>
+              <a:t>.</a:t>
+            </a:r>
+          </a:p>
+          <a:p>
+            <a:pPr marL="285750" indent="-285750">
+              <a:lnSpc>
+                <a:spcPct val="200000"/>
+              </a:lnSpc>
+              <a:buFontTx/>
+              <a:buChar char="-"/>
+            </a:pPr>
+            <a:r>
+              <a:rPr kumimoji="1" lang="ko-KR" altLang="en-US" sz="1200" dirty="0"/>
+              <a:t>글꼴을 선택해서 변경했을 때</a:t>
+            </a:r>
+            <a:r>
+              <a:rPr kumimoji="1" lang="en-US" altLang="ko-KR" sz="1200" dirty="0"/>
+              <a:t>,</a:t>
+            </a:r>
+            <a:r>
+              <a:rPr kumimoji="1" lang="ko-KR" altLang="en-US" sz="1200" dirty="0"/>
+              <a:t> 다이어리와 </a:t>
+            </a:r>
+            <a:r>
+              <a:rPr kumimoji="1" lang="ko-KR" altLang="en-US" sz="1200" dirty="0" err="1"/>
+              <a:t>투두의</a:t>
+            </a:r>
+            <a:r>
+              <a:rPr kumimoji="1" lang="ko-KR" altLang="en-US" sz="1200" dirty="0"/>
+              <a:t> 글꼴을 변경해야 한다</a:t>
+            </a:r>
+            <a:r>
+              <a:rPr kumimoji="1" lang="en-US" altLang="ko-KR" sz="1200" dirty="0"/>
+              <a:t>.</a:t>
+            </a:r>
+          </a:p>
+          <a:p>
+            <a:pPr marL="285750" indent="-285750">
+              <a:lnSpc>
+                <a:spcPct val="200000"/>
+              </a:lnSpc>
+              <a:buFontTx/>
+              <a:buChar char="-"/>
+            </a:pPr>
+            <a:r>
+              <a:rPr kumimoji="1" lang="ko-KR" altLang="en-US" sz="1200" dirty="0"/>
+              <a:t>필름 정보를 보여줘야한다</a:t>
+            </a:r>
+            <a:r>
+              <a:rPr kumimoji="1" lang="en-US" altLang="ko-KR" sz="1200" dirty="0"/>
+              <a:t>.</a:t>
+            </a:r>
+          </a:p>
+          <a:p>
+            <a:pPr marL="285750" indent="-285750">
+              <a:lnSpc>
+                <a:spcPct val="200000"/>
+              </a:lnSpc>
+              <a:buFontTx/>
+              <a:buChar char="-"/>
+            </a:pPr>
+            <a:r>
+              <a:rPr kumimoji="1" lang="ko-KR" altLang="en-US" sz="1200" dirty="0"/>
+              <a:t>필름을 선택해서 변경했을 때</a:t>
+            </a:r>
+            <a:r>
+              <a:rPr kumimoji="1" lang="en-US" altLang="ko-KR" sz="1200" dirty="0"/>
+              <a:t>,</a:t>
+            </a:r>
+            <a:r>
+              <a:rPr kumimoji="1" lang="ko-KR" altLang="en-US" sz="1200" dirty="0"/>
+              <a:t> 다이어리의 필름을 변경해야 한다</a:t>
+            </a:r>
+            <a:r>
+              <a:rPr kumimoji="1" lang="en-US" altLang="ko-KR" sz="1200" dirty="0"/>
+              <a:t>.</a:t>
+            </a:r>
+          </a:p>
+        </p:txBody>
+      </p:sp>
+      <p:sp>
+        <p:nvSpPr>
+          <p:cNvPr id="13" name="모서리가 둥근 직사각형 12">
+            <a:extLst>
+              <a:ext uri="{FF2B5EF4-FFF2-40B4-BE49-F238E27FC236}">
+                <a16:creationId xmlns:a16="http://schemas.microsoft.com/office/drawing/2014/main" id="{E2116477-5617-DD58-2DC1-7972A056AB7D}"/>
+              </a:ext>
+            </a:extLst>
+          </p:cNvPr>
+          <p:cNvSpPr/>
+          <p:nvPr/>
+        </p:nvSpPr>
+        <p:spPr>
+          <a:xfrm>
+            <a:off x="1155940" y="560729"/>
+            <a:ext cx="2829464" cy="612476"/>
+          </a:xfrm>
+          <a:prstGeom prst="roundRect">
+            <a:avLst/>
+          </a:prstGeom>
+          <a:solidFill>
+            <a:srgbClr val="FD997D"/>
+          </a:solidFill>
+          <a:ln>
+            <a:noFill/>
+          </a:ln>
+        </p:spPr>
+        <p:style>
+          <a:lnRef idx="2">
+            <a:schemeClr val="accent1">
+              <a:shade val="50000"/>
+            </a:schemeClr>
+          </a:lnRef>
+          <a:fillRef idx="1">
+            <a:schemeClr val="accent1"/>
+          </a:fillRef>
+          <a:effectRef idx="0">
+            <a:schemeClr val="accent1"/>
+          </a:effectRef>
+          <a:fontRef idx="minor">
+            <a:schemeClr val="lt1"/>
+          </a:fontRef>
+        </p:style>
+        <p:txBody>
+          <a:bodyPr rtlCol="0" anchor="ctr"/>
+          <a:lstStyle/>
+          <a:p>
+            <a:pPr algn="ctr"/>
+            <a:r>
+              <a:rPr kumimoji="1" lang="ko-Kore-KR" altLang="en-US" sz="2400" dirty="0">
+                <a:latin typeface="Nanum Brush Script" panose="03060600000000000000" pitchFamily="66" charset="-127"/>
+                <a:ea typeface="Nanum Brush Script" panose="03060600000000000000" pitchFamily="66" charset="-127"/>
+              </a:rPr>
+              <a:t>상세기능</a:t>
+            </a:r>
+            <a:r>
+              <a:rPr kumimoji="1" lang="ko-KR" altLang="en-US" sz="2400" dirty="0">
+                <a:latin typeface="Nanum Brush Script" panose="03060600000000000000" pitchFamily="66" charset="-127"/>
+                <a:ea typeface="Nanum Brush Script" panose="03060600000000000000" pitchFamily="66" charset="-127"/>
+              </a:rPr>
+              <a:t> 요구사항 </a:t>
+            </a:r>
+            <a:r>
+              <a:rPr kumimoji="1" lang="en-US" altLang="ko-KR" sz="2400" dirty="0">
+                <a:latin typeface="Nanum Brush Script" panose="03060600000000000000" pitchFamily="66" charset="-127"/>
+                <a:ea typeface="Nanum Brush Script" panose="03060600000000000000" pitchFamily="66" charset="-127"/>
+              </a:rPr>
+              <a:t>-</a:t>
+            </a:r>
+            <a:r>
+              <a:rPr kumimoji="1" lang="ko-KR" altLang="en-US" sz="2400" dirty="0">
+                <a:latin typeface="Nanum Brush Script" panose="03060600000000000000" pitchFamily="66" charset="-127"/>
+                <a:ea typeface="Nanum Brush Script" panose="03060600000000000000" pitchFamily="66" charset="-127"/>
+              </a:rPr>
+              <a:t> </a:t>
+            </a:r>
+            <a:r>
+              <a:rPr kumimoji="1" lang="en-US" altLang="ko-KR" sz="2400" dirty="0">
+                <a:latin typeface="Nanum Brush Script" panose="03060600000000000000" pitchFamily="66" charset="-127"/>
+                <a:ea typeface="Nanum Brush Script" panose="03060600000000000000" pitchFamily="66" charset="-127"/>
+              </a:rPr>
+              <a:t>Set</a:t>
+            </a:r>
+            <a:endParaRPr kumimoji="1" lang="ko-Kore-KR" altLang="en-US" sz="2400" dirty="0">
+              <a:latin typeface="Nanum Brush Script" panose="03060600000000000000" pitchFamily="66" charset="-127"/>
+              <a:ea typeface="Nanum Brush Script" panose="03060600000000000000" pitchFamily="66" charset="-127"/>
+            </a:endParaRPr>
+          </a:p>
+        </p:txBody>
+      </p:sp>
+    </p:spTree>
+    <p:extLst>
+      <p:ext uri="{BB962C8B-B14F-4D97-AF65-F5344CB8AC3E}">
+        <p14:creationId xmlns:p14="http://schemas.microsoft.com/office/powerpoint/2010/main" val="3087817796"/>
+      </p:ext>
+    </p:extLst>
+  </p:cSld>
+  <p:clrMapOvr>
+    <a:masterClrMapping/>
+  </p:clrMapOvr>
+</p:sld>
+</file>
+
+<file path=ppt/slides/slide6.xml><?xml version="1.0" encoding="utf-8"?>
+<p:sld xmlns:a="http://schemas.openxmlformats.org/drawingml/2006/main" xmlns:r="http://schemas.openxmlformats.org/officeDocument/2006/relationships" xmlns:p="http://schemas.openxmlformats.org/presentationml/2006/main">
+  <p:cSld>
+    <p:spTree>
+      <p:nvGrpSpPr>
+        <p:cNvPr id="1" name=""/>
+        <p:cNvGrpSpPr/>
+        <p:nvPr/>
+      </p:nvGrpSpPr>
+      <p:grpSpPr>
+        <a:xfrm>
+          <a:off x="0" y="0"/>
+          <a:ext cx="0" cy="0"/>
+          <a:chOff x="0" y="0"/>
+          <a:chExt cx="0" cy="0"/>
+        </a:xfrm>
+      </p:grpSpPr>
+      <p:pic>
+        <p:nvPicPr>
+          <p:cNvPr id="5" name="그림 4" descr="텍스트이(가) 표시된 사진&#10;&#10;자동 생성된 설명">
+            <a:extLst>
+              <a:ext uri="{FF2B5EF4-FFF2-40B4-BE49-F238E27FC236}">
+                <a16:creationId xmlns:a16="http://schemas.microsoft.com/office/drawing/2014/main" id="{0907B5D8-E8A3-2AFA-7FCF-A60BB3BCF008}"/>
+              </a:ext>
+            </a:extLst>
+          </p:cNvPr>
+          <p:cNvPicPr>
+            <a:picLocks noChangeAspect="1"/>
+          </p:cNvPicPr>
+          <p:nvPr/>
+        </p:nvPicPr>
+        <p:blipFill>
+          <a:blip r:embed="rId2"/>
+          <a:stretch>
+            <a:fillRect/>
+          </a:stretch>
+        </p:blipFill>
+        <p:spPr>
+          <a:xfrm>
+            <a:off x="0" y="1778000"/>
+            <a:ext cx="2463800" cy="5080000"/>
+          </a:xfrm>
+          <a:prstGeom prst="rect">
+            <a:avLst/>
+          </a:prstGeom>
+        </p:spPr>
+      </p:pic>
+      <p:pic>
+        <p:nvPicPr>
+          <p:cNvPr id="7" name="그림 6">
+            <a:extLst>
+              <a:ext uri="{FF2B5EF4-FFF2-40B4-BE49-F238E27FC236}">
+                <a16:creationId xmlns:a16="http://schemas.microsoft.com/office/drawing/2014/main" id="{B9532368-64AE-8BA7-96C8-672DEF8FEA6B}"/>
+              </a:ext>
+            </a:extLst>
+          </p:cNvPr>
+          <p:cNvPicPr>
+            <a:picLocks noChangeAspect="1"/>
+          </p:cNvPicPr>
+          <p:nvPr/>
+        </p:nvPicPr>
+        <p:blipFill>
+          <a:blip r:embed="rId3"/>
+          <a:stretch>
+            <a:fillRect/>
+          </a:stretch>
+        </p:blipFill>
+        <p:spPr>
+          <a:xfrm>
+            <a:off x="2653700" y="1778000"/>
+            <a:ext cx="2463800" cy="5080000"/>
+          </a:xfrm>
+          <a:prstGeom prst="rect">
+            <a:avLst/>
+          </a:prstGeom>
+        </p:spPr>
+      </p:pic>
+      <p:sp>
+        <p:nvSpPr>
+          <p:cNvPr id="8" name="모서리가 둥근 직사각형 7">
+            <a:extLst>
+              <a:ext uri="{FF2B5EF4-FFF2-40B4-BE49-F238E27FC236}">
+                <a16:creationId xmlns:a16="http://schemas.microsoft.com/office/drawing/2014/main" id="{C1B94948-C823-5E52-3BB6-C3A7901E4A7F}"/>
+              </a:ext>
+            </a:extLst>
+          </p:cNvPr>
+          <p:cNvSpPr/>
+          <p:nvPr/>
+        </p:nvSpPr>
+        <p:spPr>
+          <a:xfrm>
+            <a:off x="1842698" y="1328467"/>
+            <a:ext cx="621102" cy="336430"/>
+          </a:xfrm>
+          <a:prstGeom prst="roundRect">
+            <a:avLst/>
+          </a:prstGeom>
+          <a:solidFill>
+            <a:srgbClr val="FD997D"/>
+          </a:solidFill>
+          <a:ln>
+            <a:noFill/>
+          </a:ln>
+        </p:spPr>
+        <p:style>
+          <a:lnRef idx="2">
+            <a:schemeClr val="accent1">
+              <a:shade val="50000"/>
+            </a:schemeClr>
+          </a:lnRef>
+          <a:fillRef idx="1">
+            <a:schemeClr val="accent1"/>
+          </a:fillRef>
+          <a:effectRef idx="0">
+            <a:schemeClr val="accent1"/>
+          </a:effectRef>
+          <a:fontRef idx="minor">
+            <a:schemeClr val="lt1"/>
+          </a:fontRef>
+        </p:style>
+        <p:txBody>
+          <a:bodyPr rtlCol="0" anchor="ctr"/>
+          <a:lstStyle/>
+          <a:p>
+            <a:pPr algn="ctr"/>
+            <a:r>
+              <a:rPr kumimoji="1" lang="en-US" altLang="ko-Kore-KR" dirty="0"/>
+              <a:t>1-1</a:t>
+            </a:r>
+            <a:endParaRPr kumimoji="1" lang="ko-Kore-KR" altLang="en-US" dirty="0"/>
+          </a:p>
+        </p:txBody>
+      </p:sp>
+      <p:sp>
+        <p:nvSpPr>
+          <p:cNvPr id="9" name="모서리가 둥근 직사각형 8">
+            <a:extLst>
+              <a:ext uri="{FF2B5EF4-FFF2-40B4-BE49-F238E27FC236}">
+                <a16:creationId xmlns:a16="http://schemas.microsoft.com/office/drawing/2014/main" id="{2706CF05-1DA9-5B12-F7F2-CE5081531C73}"/>
+              </a:ext>
+            </a:extLst>
+          </p:cNvPr>
+          <p:cNvSpPr/>
+          <p:nvPr/>
+        </p:nvSpPr>
+        <p:spPr>
+          <a:xfrm>
+            <a:off x="4496398" y="1328467"/>
+            <a:ext cx="621102" cy="336430"/>
+          </a:xfrm>
+          <a:prstGeom prst="roundRect">
+            <a:avLst/>
+          </a:prstGeom>
+          <a:solidFill>
+            <a:srgbClr val="FD997D"/>
+          </a:solidFill>
+          <a:ln>
+            <a:noFill/>
+          </a:ln>
+        </p:spPr>
+        <p:style>
+          <a:lnRef idx="2">
+            <a:schemeClr val="accent1">
+              <a:shade val="50000"/>
+            </a:schemeClr>
+          </a:lnRef>
+          <a:fillRef idx="1">
+            <a:schemeClr val="accent1"/>
+          </a:fillRef>
+          <a:effectRef idx="0">
+            <a:schemeClr val="accent1"/>
+          </a:effectRef>
+          <a:fontRef idx="minor">
+            <a:schemeClr val="lt1"/>
+          </a:fontRef>
+        </p:style>
+        <p:txBody>
+          <a:bodyPr rtlCol="0" anchor="ctr"/>
+          <a:lstStyle/>
+          <a:p>
+            <a:pPr algn="ctr"/>
+            <a:r>
+              <a:rPr kumimoji="1" lang="en-US" altLang="ko-Kore-KR" dirty="0"/>
+              <a:t>1-2</a:t>
+            </a:r>
+            <a:endParaRPr kumimoji="1" lang="ko-Kore-KR" altLang="en-US" dirty="0"/>
+          </a:p>
+        </p:txBody>
+      </p:sp>
+      <p:sp>
+        <p:nvSpPr>
+          <p:cNvPr id="10" name="모서리가 둥근 직사각형 9">
+            <a:extLst>
+              <a:ext uri="{FF2B5EF4-FFF2-40B4-BE49-F238E27FC236}">
+                <a16:creationId xmlns:a16="http://schemas.microsoft.com/office/drawing/2014/main" id="{98AA0CDE-2AD2-0265-B554-7E9A73DA5964}"/>
+              </a:ext>
+            </a:extLst>
+          </p:cNvPr>
+          <p:cNvSpPr/>
+          <p:nvPr/>
+        </p:nvSpPr>
+        <p:spPr>
+          <a:xfrm>
+            <a:off x="820822" y="370936"/>
+            <a:ext cx="2332653" cy="539390"/>
+          </a:xfrm>
+          <a:prstGeom prst="roundRect">
+            <a:avLst/>
+          </a:prstGeom>
+          <a:solidFill>
+            <a:srgbClr val="FD997D"/>
+          </a:solidFill>
+          <a:ln>
+            <a:noFill/>
+          </a:ln>
+        </p:spPr>
+        <p:style>
+          <a:lnRef idx="2">
+            <a:schemeClr val="accent1">
+              <a:shade val="50000"/>
+            </a:schemeClr>
+          </a:lnRef>
+          <a:fillRef idx="1">
+            <a:schemeClr val="accent1"/>
+          </a:fillRef>
+          <a:effectRef idx="0">
+            <a:schemeClr val="accent1"/>
+          </a:effectRef>
+          <a:fontRef idx="minor">
+            <a:schemeClr val="lt1"/>
+          </a:fontRef>
+        </p:style>
+        <p:txBody>
+          <a:bodyPr rtlCol="0" anchor="ctr"/>
+          <a:lstStyle/>
+          <a:p>
+            <a:pPr algn="ctr"/>
+            <a:r>
+              <a:rPr kumimoji="1" lang="ko-KR" altLang="en-US" sz="2000" dirty="0">
+                <a:latin typeface="Nanum Brush Script" panose="03060600000000000000" pitchFamily="66" charset="-127"/>
+                <a:ea typeface="Nanum Brush Script" panose="03060600000000000000" pitchFamily="66" charset="-127"/>
+              </a:rPr>
+              <a:t>기능 명세서</a:t>
+            </a:r>
+            <a:r>
+              <a:rPr kumimoji="1" lang="en-US" altLang="ko-KR" sz="2000" dirty="0">
+                <a:latin typeface="Nanum Brush Script" panose="03060600000000000000" pitchFamily="66" charset="-127"/>
+                <a:ea typeface="Nanum Brush Script" panose="03060600000000000000" pitchFamily="66" charset="-127"/>
+              </a:rPr>
+              <a:t>-</a:t>
+            </a:r>
+            <a:r>
+              <a:rPr kumimoji="1" lang="ko-KR" altLang="en-US" sz="2000" dirty="0">
+                <a:latin typeface="Nanum Brush Script" panose="03060600000000000000" pitchFamily="66" charset="-127"/>
+                <a:ea typeface="Nanum Brush Script" panose="03060600000000000000" pitchFamily="66" charset="-127"/>
+              </a:rPr>
+              <a:t> </a:t>
+            </a:r>
+            <a:r>
+              <a:rPr kumimoji="1" lang="en-US" altLang="ko-KR" sz="2000" dirty="0">
+                <a:latin typeface="Nanum Brush Script" panose="03060600000000000000" pitchFamily="66" charset="-127"/>
+                <a:ea typeface="Nanum Brush Script" panose="03060600000000000000" pitchFamily="66" charset="-127"/>
+              </a:rPr>
+              <a:t>Diary</a:t>
+            </a:r>
+            <a:endParaRPr kumimoji="1" lang="ko-Kore-KR" altLang="en-US" sz="2000" dirty="0">
+              <a:latin typeface="Nanum Brush Script" panose="03060600000000000000" pitchFamily="66" charset="-127"/>
+              <a:ea typeface="Nanum Brush Script" panose="03060600000000000000" pitchFamily="66" charset="-127"/>
+            </a:endParaRPr>
+          </a:p>
+        </p:txBody>
+      </p:sp>
+      <p:pic>
+        <p:nvPicPr>
+          <p:cNvPr id="12" name="그림 11" descr="텍스트, 테이블이(가) 표시된 사진&#10;&#10;자동 생성된 설명">
+            <a:extLst>
+              <a:ext uri="{FF2B5EF4-FFF2-40B4-BE49-F238E27FC236}">
+                <a16:creationId xmlns:a16="http://schemas.microsoft.com/office/drawing/2014/main" id="{404D9135-3607-EF2F-BEA7-92C8942528F8}"/>
+              </a:ext>
+            </a:extLst>
+          </p:cNvPr>
+          <p:cNvPicPr>
+            <a:picLocks noChangeAspect="1"/>
+          </p:cNvPicPr>
+          <p:nvPr/>
+        </p:nvPicPr>
+        <p:blipFill>
+          <a:blip r:embed="rId4"/>
+          <a:stretch>
+            <a:fillRect/>
+          </a:stretch>
+        </p:blipFill>
+        <p:spPr>
+          <a:xfrm>
+            <a:off x="5307400" y="2745647"/>
+            <a:ext cx="6480000" cy="3144706"/>
+          </a:xfrm>
+          <a:prstGeom prst="rect">
+            <a:avLst/>
+          </a:prstGeom>
+        </p:spPr>
+      </p:pic>
+    </p:spTree>
+    <p:extLst>
+      <p:ext uri="{BB962C8B-B14F-4D97-AF65-F5344CB8AC3E}">
+        <p14:creationId xmlns:p14="http://schemas.microsoft.com/office/powerpoint/2010/main" val="2899667151"/>
+      </p:ext>
+    </p:extLst>
+  </p:cSld>
+  <p:clrMapOvr>
+    <a:masterClrMapping/>
+  </p:clrMapOvr>
+</p:sld>
+</file>
+
+<file path=ppt/slides/slide7.xml><?xml version="1.0" encoding="utf-8"?>
+<p:sld xmlns:a="http://schemas.openxmlformats.org/drawingml/2006/main" xmlns:r="http://schemas.openxmlformats.org/officeDocument/2006/relationships" xmlns:p="http://schemas.openxmlformats.org/presentationml/2006/main">
+  <p:cSld>
+    <p:spTree>
+      <p:nvGrpSpPr>
+        <p:cNvPr id="1" name=""/>
+        <p:cNvGrpSpPr/>
+        <p:nvPr/>
+      </p:nvGrpSpPr>
+      <p:grpSpPr>
+        <a:xfrm>
+          <a:off x="0" y="0"/>
+          <a:ext cx="0" cy="0"/>
+          <a:chOff x="0" y="0"/>
+          <a:chExt cx="0" cy="0"/>
+        </a:xfrm>
+      </p:grpSpPr>
+      <p:sp>
+        <p:nvSpPr>
+          <p:cNvPr id="8" name="모서리가 둥근 직사각형 7">
+            <a:extLst>
+              <a:ext uri="{FF2B5EF4-FFF2-40B4-BE49-F238E27FC236}">
+                <a16:creationId xmlns:a16="http://schemas.microsoft.com/office/drawing/2014/main" id="{C1B94948-C823-5E52-3BB6-C3A7901E4A7F}"/>
+              </a:ext>
+            </a:extLst>
+          </p:cNvPr>
+          <p:cNvSpPr/>
+          <p:nvPr/>
+        </p:nvSpPr>
+        <p:spPr>
+          <a:xfrm>
+            <a:off x="1842698" y="1328467"/>
+            <a:ext cx="621102" cy="336430"/>
+          </a:xfrm>
+          <a:prstGeom prst="roundRect">
+            <a:avLst/>
+          </a:prstGeom>
+          <a:solidFill>
+            <a:srgbClr val="FD997D"/>
+          </a:solidFill>
+          <a:ln>
+            <a:noFill/>
+          </a:ln>
+        </p:spPr>
+        <p:style>
+          <a:lnRef idx="2">
+            <a:schemeClr val="accent1">
+              <a:shade val="50000"/>
+            </a:schemeClr>
+          </a:lnRef>
+          <a:fillRef idx="1">
+            <a:schemeClr val="accent1"/>
+          </a:fillRef>
+          <a:effectRef idx="0">
+            <a:schemeClr val="accent1"/>
+          </a:effectRef>
+          <a:fontRef idx="minor">
+            <a:schemeClr val="lt1"/>
+          </a:fontRef>
+        </p:style>
+        <p:txBody>
+          <a:bodyPr rtlCol="0" anchor="ctr"/>
+          <a:lstStyle/>
+          <a:p>
+            <a:pPr algn="ctr"/>
+            <a:r>
+              <a:rPr kumimoji="1" lang="en-US" altLang="ko-Kore-KR" dirty="0"/>
+              <a:t>1-1</a:t>
+            </a:r>
+            <a:endParaRPr kumimoji="1" lang="ko-Kore-KR" altLang="en-US" dirty="0"/>
+          </a:p>
+        </p:txBody>
+      </p:sp>
+      <p:sp>
+        <p:nvSpPr>
+          <p:cNvPr id="9" name="모서리가 둥근 직사각형 8">
+            <a:extLst>
+              <a:ext uri="{FF2B5EF4-FFF2-40B4-BE49-F238E27FC236}">
+                <a16:creationId xmlns:a16="http://schemas.microsoft.com/office/drawing/2014/main" id="{2706CF05-1DA9-5B12-F7F2-CE5081531C73}"/>
+              </a:ext>
+            </a:extLst>
+          </p:cNvPr>
+          <p:cNvSpPr/>
+          <p:nvPr/>
+        </p:nvSpPr>
+        <p:spPr>
+          <a:xfrm>
+            <a:off x="4496398" y="1328467"/>
+            <a:ext cx="621102" cy="336430"/>
+          </a:xfrm>
+          <a:prstGeom prst="roundRect">
+            <a:avLst/>
+          </a:prstGeom>
+          <a:solidFill>
+            <a:srgbClr val="FD997D"/>
+          </a:solidFill>
+          <a:ln>
+            <a:noFill/>
+          </a:ln>
+        </p:spPr>
+        <p:style>
+          <a:lnRef idx="2">
+            <a:schemeClr val="accent1">
+              <a:shade val="50000"/>
+            </a:schemeClr>
+          </a:lnRef>
+          <a:fillRef idx="1">
+            <a:schemeClr val="accent1"/>
+          </a:fillRef>
+          <a:effectRef idx="0">
+            <a:schemeClr val="accent1"/>
+          </a:effectRef>
+          <a:fontRef idx="minor">
+            <a:schemeClr val="lt1"/>
+          </a:fontRef>
+        </p:style>
+        <p:txBody>
+          <a:bodyPr rtlCol="0" anchor="ctr"/>
+          <a:lstStyle/>
+          <a:p>
+            <a:pPr algn="ctr"/>
+            <a:r>
+              <a:rPr kumimoji="1" lang="en-US" altLang="ko-Kore-KR" dirty="0"/>
+              <a:t>1-2</a:t>
+            </a:r>
+            <a:endParaRPr kumimoji="1" lang="ko-Kore-KR" altLang="en-US" dirty="0"/>
+          </a:p>
+        </p:txBody>
+      </p:sp>
+      <p:sp>
+        <p:nvSpPr>
+          <p:cNvPr id="10" name="모서리가 둥근 직사각형 9">
+            <a:extLst>
+              <a:ext uri="{FF2B5EF4-FFF2-40B4-BE49-F238E27FC236}">
+                <a16:creationId xmlns:a16="http://schemas.microsoft.com/office/drawing/2014/main" id="{98AA0CDE-2AD2-0265-B554-7E9A73DA5964}"/>
+              </a:ext>
+            </a:extLst>
+          </p:cNvPr>
+          <p:cNvSpPr/>
+          <p:nvPr/>
+        </p:nvSpPr>
+        <p:spPr>
+          <a:xfrm>
+            <a:off x="820822" y="370936"/>
+            <a:ext cx="2332653" cy="539390"/>
+          </a:xfrm>
+          <a:prstGeom prst="roundRect">
+            <a:avLst/>
+          </a:prstGeom>
+          <a:solidFill>
+            <a:srgbClr val="FD997D"/>
+          </a:solidFill>
+          <a:ln>
+            <a:noFill/>
+          </a:ln>
+        </p:spPr>
+        <p:style>
+          <a:lnRef idx="2">
+            <a:schemeClr val="accent1">
+              <a:shade val="50000"/>
+            </a:schemeClr>
+          </a:lnRef>
+          <a:fillRef idx="1">
+            <a:schemeClr val="accent1"/>
+          </a:fillRef>
+          <a:effectRef idx="0">
+            <a:schemeClr val="accent1"/>
+          </a:effectRef>
+          <a:fontRef idx="minor">
+            <a:schemeClr val="lt1"/>
+          </a:fontRef>
+        </p:style>
+        <p:txBody>
+          <a:bodyPr rtlCol="0" anchor="ctr"/>
+          <a:lstStyle/>
+          <a:p>
+            <a:pPr algn="ctr"/>
+            <a:r>
+              <a:rPr kumimoji="1" lang="ko-KR" altLang="en-US" sz="2000" dirty="0">
+                <a:latin typeface="Nanum Brush Script" panose="03060600000000000000" pitchFamily="66" charset="-127"/>
+                <a:ea typeface="Nanum Brush Script" panose="03060600000000000000" pitchFamily="66" charset="-127"/>
+              </a:rPr>
+              <a:t>기능 명세서</a:t>
+            </a:r>
+            <a:r>
+              <a:rPr kumimoji="1" lang="en-US" altLang="ko-KR" sz="2000" dirty="0">
+                <a:latin typeface="Nanum Brush Script" panose="03060600000000000000" pitchFamily="66" charset="-127"/>
+                <a:ea typeface="Nanum Brush Script" panose="03060600000000000000" pitchFamily="66" charset="-127"/>
+              </a:rPr>
+              <a:t> -</a:t>
+            </a:r>
+            <a:r>
+              <a:rPr kumimoji="1" lang="ko-KR" altLang="en-US" sz="2000" dirty="0">
+                <a:latin typeface="Nanum Brush Script" panose="03060600000000000000" pitchFamily="66" charset="-127"/>
+                <a:ea typeface="Nanum Brush Script" panose="03060600000000000000" pitchFamily="66" charset="-127"/>
+              </a:rPr>
+              <a:t> </a:t>
+            </a:r>
+            <a:r>
+              <a:rPr kumimoji="1" lang="en-US" altLang="ko-KR" sz="2000" dirty="0">
+                <a:latin typeface="Nanum Brush Script" panose="03060600000000000000" pitchFamily="66" charset="-127"/>
+                <a:ea typeface="Nanum Brush Script" panose="03060600000000000000" pitchFamily="66" charset="-127"/>
+              </a:rPr>
+              <a:t>To Do</a:t>
+            </a:r>
+            <a:endParaRPr kumimoji="1" lang="ko-Kore-KR" altLang="en-US" sz="2000" dirty="0">
+              <a:latin typeface="Nanum Brush Script" panose="03060600000000000000" pitchFamily="66" charset="-127"/>
+              <a:ea typeface="Nanum Brush Script" panose="03060600000000000000" pitchFamily="66" charset="-127"/>
+            </a:endParaRPr>
+          </a:p>
+        </p:txBody>
+      </p:sp>
+      <p:pic>
+        <p:nvPicPr>
+          <p:cNvPr id="4" name="그림 3">
+            <a:extLst>
+              <a:ext uri="{FF2B5EF4-FFF2-40B4-BE49-F238E27FC236}">
+                <a16:creationId xmlns:a16="http://schemas.microsoft.com/office/drawing/2014/main" id="{B05A02CC-4814-A4F7-D993-094602D4D10D}"/>
+              </a:ext>
+            </a:extLst>
+          </p:cNvPr>
+          <p:cNvPicPr>
+            <a:picLocks noChangeAspect="1"/>
+          </p:cNvPicPr>
+          <p:nvPr/>
+        </p:nvPicPr>
+        <p:blipFill>
+          <a:blip r:embed="rId2"/>
+          <a:stretch>
+            <a:fillRect/>
+          </a:stretch>
+        </p:blipFill>
+        <p:spPr>
+          <a:xfrm>
+            <a:off x="-7731" y="1776400"/>
+            <a:ext cx="2471531" cy="5083200"/>
+          </a:xfrm>
+          <a:prstGeom prst="rect">
+            <a:avLst/>
+          </a:prstGeom>
+        </p:spPr>
+      </p:pic>
+      <p:pic>
+        <p:nvPicPr>
+          <p:cNvPr id="11" name="그림 10">
+            <a:extLst>
+              <a:ext uri="{FF2B5EF4-FFF2-40B4-BE49-F238E27FC236}">
+                <a16:creationId xmlns:a16="http://schemas.microsoft.com/office/drawing/2014/main" id="{6E62CED8-5610-2B8E-D3B2-4275524A9C7B}"/>
+              </a:ext>
+            </a:extLst>
+          </p:cNvPr>
+          <p:cNvPicPr>
+            <a:picLocks noChangeAspect="1"/>
+          </p:cNvPicPr>
+          <p:nvPr/>
+        </p:nvPicPr>
+        <p:blipFill>
+          <a:blip r:embed="rId3"/>
+          <a:stretch>
+            <a:fillRect/>
+          </a:stretch>
+        </p:blipFill>
+        <p:spPr>
+          <a:xfrm>
+            <a:off x="2653700" y="1776400"/>
+            <a:ext cx="2463800" cy="5067300"/>
+          </a:xfrm>
+          <a:prstGeom prst="rect">
+            <a:avLst/>
+          </a:prstGeom>
+        </p:spPr>
+      </p:pic>
+      <p:pic>
+        <p:nvPicPr>
+          <p:cNvPr id="15" name="그림 14" descr="테이블이(가) 표시된 사진&#10;&#10;자동 생성된 설명">
+            <a:extLst>
+              <a:ext uri="{FF2B5EF4-FFF2-40B4-BE49-F238E27FC236}">
+                <a16:creationId xmlns:a16="http://schemas.microsoft.com/office/drawing/2014/main" id="{19A95CF6-6647-E20A-D4F2-023F47F402F8}"/>
+              </a:ext>
+            </a:extLst>
+          </p:cNvPr>
+          <p:cNvPicPr>
+            <a:picLocks noChangeAspect="1"/>
+          </p:cNvPicPr>
+          <p:nvPr/>
+        </p:nvPicPr>
+        <p:blipFill>
+          <a:blip r:embed="rId4"/>
+          <a:stretch>
+            <a:fillRect/>
+          </a:stretch>
+        </p:blipFill>
+        <p:spPr>
+          <a:xfrm>
+            <a:off x="5307400" y="3156550"/>
+            <a:ext cx="6480000" cy="2322899"/>
+          </a:xfrm>
+          <a:prstGeom prst="rect">
+            <a:avLst/>
+          </a:prstGeom>
+        </p:spPr>
+      </p:pic>
+      <p:pic>
+        <p:nvPicPr>
+          <p:cNvPr id="17" name="그림 16" descr="텍스트이(가) 표시된 사진&#10;&#10;자동 생성된 설명">
+            <a:extLst>
+              <a:ext uri="{FF2B5EF4-FFF2-40B4-BE49-F238E27FC236}">
+                <a16:creationId xmlns:a16="http://schemas.microsoft.com/office/drawing/2014/main" id="{EBF0677F-0619-FA7D-105B-8B82692BAEE2}"/>
+              </a:ext>
+            </a:extLst>
+          </p:cNvPr>
+          <p:cNvPicPr>
+            <a:picLocks noChangeAspect="1"/>
+          </p:cNvPicPr>
+          <p:nvPr/>
+        </p:nvPicPr>
+        <p:blipFill>
+          <a:blip r:embed="rId5"/>
+          <a:stretch>
+            <a:fillRect/>
+          </a:stretch>
+        </p:blipFill>
+        <p:spPr>
+          <a:xfrm>
+            <a:off x="2967486" y="3293626"/>
+            <a:ext cx="1940943" cy="288000"/>
+          </a:xfrm>
+          <a:prstGeom prst="rect">
+            <a:avLst/>
+          </a:prstGeom>
+        </p:spPr>
+      </p:pic>
+      <p:sp>
+        <p:nvSpPr>
+          <p:cNvPr id="18" name="직사각형 17">
+            <a:extLst>
+              <a:ext uri="{FF2B5EF4-FFF2-40B4-BE49-F238E27FC236}">
+                <a16:creationId xmlns:a16="http://schemas.microsoft.com/office/drawing/2014/main" id="{7AFF9996-9736-6B8B-55EB-973A0E69DEEB}"/>
+              </a:ext>
+            </a:extLst>
+          </p:cNvPr>
+          <p:cNvSpPr/>
+          <p:nvPr/>
+        </p:nvSpPr>
+        <p:spPr>
+          <a:xfrm>
+            <a:off x="2887632" y="3027872"/>
+            <a:ext cx="554309" cy="265754"/>
+          </a:xfrm>
+          <a:prstGeom prst="rect">
+            <a:avLst/>
+          </a:prstGeom>
+          <a:ln>
+            <a:noFill/>
+          </a:ln>
+        </p:spPr>
+        <p:style>
+          <a:lnRef idx="2">
+            <a:schemeClr val="accent6"/>
+          </a:lnRef>
+          <a:fillRef idx="1">
+            <a:schemeClr val="lt1"/>
+          </a:fillRef>
+          <a:effectRef idx="0">
+            <a:schemeClr val="accent6"/>
+          </a:effectRef>
+          <a:fontRef idx="minor">
+            <a:schemeClr val="dk1"/>
+          </a:fontRef>
+        </p:style>
+        <p:txBody>
+          <a:bodyPr rtlCol="0" anchor="ctr"/>
+          <a:lstStyle/>
+          <a:p>
+            <a:pPr algn="ctr"/>
+            <a:r>
+              <a:rPr kumimoji="1" lang="ko-Kore-KR" altLang="en-US" sz="700" dirty="0"/>
+              <a:t>시작시간</a:t>
+            </a:r>
+          </a:p>
+        </p:txBody>
+      </p:sp>
+    </p:spTree>
+    <p:extLst>
+      <p:ext uri="{BB962C8B-B14F-4D97-AF65-F5344CB8AC3E}">
+        <p14:creationId xmlns:p14="http://schemas.microsoft.com/office/powerpoint/2010/main" val="1478742289"/>
+      </p:ext>
+    </p:extLst>
+  </p:cSld>
+  <p:clrMapOvr>
+    <a:masterClrMapping/>
+  </p:clrMapOvr>
+</p:sld>
+</file>
+
+<file path=ppt/slides/slide8.xml><?xml version="1.0" encoding="utf-8"?>
+<p:sld xmlns:a="http://schemas.openxmlformats.org/drawingml/2006/main" xmlns:r="http://schemas.openxmlformats.org/officeDocument/2006/relationships" xmlns:p="http://schemas.openxmlformats.org/presentationml/2006/main">
+  <p:cSld>
+    <p:spTree>
+      <p:nvGrpSpPr>
+        <p:cNvPr id="1" name=""/>
+        <p:cNvGrpSpPr/>
+        <p:nvPr/>
+      </p:nvGrpSpPr>
+      <p:grpSpPr>
+        <a:xfrm>
+          <a:off x="0" y="0"/>
+          <a:ext cx="0" cy="0"/>
+          <a:chOff x="0" y="0"/>
+          <a:chExt cx="0" cy="0"/>
+        </a:xfrm>
+      </p:grpSpPr>
+      <p:sp>
+        <p:nvSpPr>
+          <p:cNvPr id="8" name="모서리가 둥근 직사각형 7">
+            <a:extLst>
+              <a:ext uri="{FF2B5EF4-FFF2-40B4-BE49-F238E27FC236}">
+                <a16:creationId xmlns:a16="http://schemas.microsoft.com/office/drawing/2014/main" id="{C1B94948-C823-5E52-3BB6-C3A7901E4A7F}"/>
+              </a:ext>
+            </a:extLst>
+          </p:cNvPr>
+          <p:cNvSpPr/>
+          <p:nvPr/>
+        </p:nvSpPr>
+        <p:spPr>
+          <a:xfrm>
+            <a:off x="1842698" y="1328467"/>
+            <a:ext cx="621102" cy="336430"/>
+          </a:xfrm>
+          <a:prstGeom prst="roundRect">
+            <a:avLst/>
+          </a:prstGeom>
+          <a:solidFill>
+            <a:srgbClr val="FD997D"/>
+          </a:solidFill>
+          <a:ln>
+            <a:noFill/>
+          </a:ln>
+        </p:spPr>
+        <p:style>
+          <a:lnRef idx="2">
+            <a:schemeClr val="accent1">
+              <a:shade val="50000"/>
+            </a:schemeClr>
+          </a:lnRef>
+          <a:fillRef idx="1">
+            <a:schemeClr val="accent1"/>
+          </a:fillRef>
+          <a:effectRef idx="0">
+            <a:schemeClr val="accent1"/>
+          </a:effectRef>
+          <a:fontRef idx="minor">
+            <a:schemeClr val="lt1"/>
+          </a:fontRef>
+        </p:style>
+        <p:txBody>
+          <a:bodyPr rtlCol="0" anchor="ctr"/>
+          <a:lstStyle/>
+          <a:p>
+            <a:pPr algn="ctr"/>
+            <a:r>
+              <a:rPr kumimoji="1" lang="en-US" altLang="ko-Kore-KR" dirty="0"/>
+              <a:t>1-1</a:t>
+            </a:r>
+            <a:endParaRPr kumimoji="1" lang="ko-Kore-KR" altLang="en-US" dirty="0"/>
+          </a:p>
+        </p:txBody>
+      </p:sp>
+      <p:sp>
+        <p:nvSpPr>
+          <p:cNvPr id="9" name="모서리가 둥근 직사각형 8">
+            <a:extLst>
+              <a:ext uri="{FF2B5EF4-FFF2-40B4-BE49-F238E27FC236}">
+                <a16:creationId xmlns:a16="http://schemas.microsoft.com/office/drawing/2014/main" id="{2706CF05-1DA9-5B12-F7F2-CE5081531C73}"/>
+              </a:ext>
+            </a:extLst>
+          </p:cNvPr>
+          <p:cNvSpPr/>
+          <p:nvPr/>
+        </p:nvSpPr>
+        <p:spPr>
+          <a:xfrm>
+            <a:off x="4496398" y="1328467"/>
+            <a:ext cx="621102" cy="336430"/>
+          </a:xfrm>
+          <a:prstGeom prst="roundRect">
+            <a:avLst/>
+          </a:prstGeom>
+          <a:solidFill>
+            <a:srgbClr val="FD997D"/>
+          </a:solidFill>
+          <a:ln>
+            <a:noFill/>
+          </a:ln>
+        </p:spPr>
+        <p:style>
+          <a:lnRef idx="2">
+            <a:schemeClr val="accent1">
+              <a:shade val="50000"/>
+            </a:schemeClr>
+          </a:lnRef>
+          <a:fillRef idx="1">
+            <a:schemeClr val="accent1"/>
+          </a:fillRef>
+          <a:effectRef idx="0">
+            <a:schemeClr val="accent1"/>
+          </a:effectRef>
+          <a:fontRef idx="minor">
+            <a:schemeClr val="lt1"/>
+          </a:fontRef>
+        </p:style>
+        <p:txBody>
+          <a:bodyPr rtlCol="0" anchor="ctr"/>
+          <a:lstStyle/>
+          <a:p>
+            <a:pPr algn="ctr"/>
+            <a:r>
+              <a:rPr kumimoji="1" lang="en-US" altLang="ko-Kore-KR" dirty="0"/>
+              <a:t>1-2</a:t>
+            </a:r>
+            <a:endParaRPr kumimoji="1" lang="ko-Kore-KR" altLang="en-US" dirty="0"/>
+          </a:p>
+        </p:txBody>
+      </p:sp>
+      <p:sp>
+        <p:nvSpPr>
+          <p:cNvPr id="10" name="모서리가 둥근 직사각형 9">
+            <a:extLst>
+              <a:ext uri="{FF2B5EF4-FFF2-40B4-BE49-F238E27FC236}">
+                <a16:creationId xmlns:a16="http://schemas.microsoft.com/office/drawing/2014/main" id="{98AA0CDE-2AD2-0265-B554-7E9A73DA5964}"/>
+              </a:ext>
+            </a:extLst>
+          </p:cNvPr>
+          <p:cNvSpPr/>
+          <p:nvPr/>
+        </p:nvSpPr>
+        <p:spPr>
+          <a:xfrm>
+            <a:off x="820822" y="370936"/>
+            <a:ext cx="2332653" cy="539390"/>
+          </a:xfrm>
+          <a:prstGeom prst="roundRect">
+            <a:avLst/>
+          </a:prstGeom>
+          <a:solidFill>
+            <a:srgbClr val="FD997D"/>
+          </a:solidFill>
+          <a:ln>
+            <a:noFill/>
+          </a:ln>
+        </p:spPr>
+        <p:style>
+          <a:lnRef idx="2">
+            <a:schemeClr val="accent1">
+              <a:shade val="50000"/>
+            </a:schemeClr>
+          </a:lnRef>
+          <a:fillRef idx="1">
+            <a:schemeClr val="accent1"/>
+          </a:fillRef>
+          <a:effectRef idx="0">
+            <a:schemeClr val="accent1"/>
+          </a:effectRef>
+          <a:fontRef idx="minor">
+            <a:schemeClr val="lt1"/>
+          </a:fontRef>
+        </p:style>
+        <p:txBody>
+          <a:bodyPr rtlCol="0" anchor="ctr"/>
+          <a:lstStyle/>
+          <a:p>
+            <a:pPr algn="ctr"/>
+            <a:r>
+              <a:rPr kumimoji="1" lang="ko-KR" altLang="en-US" sz="2000" dirty="0">
+                <a:latin typeface="Nanum Brush Script" panose="03060600000000000000" pitchFamily="66" charset="-127"/>
+                <a:ea typeface="Nanum Brush Script" panose="03060600000000000000" pitchFamily="66" charset="-127"/>
+              </a:rPr>
+              <a:t>기능 명세서</a:t>
+            </a:r>
+            <a:r>
+              <a:rPr kumimoji="1" lang="en-US" altLang="ko-KR" sz="2000" dirty="0">
+                <a:latin typeface="Nanum Brush Script" panose="03060600000000000000" pitchFamily="66" charset="-127"/>
+                <a:ea typeface="Nanum Brush Script" panose="03060600000000000000" pitchFamily="66" charset="-127"/>
+              </a:rPr>
+              <a:t> -</a:t>
+            </a:r>
+            <a:r>
+              <a:rPr kumimoji="1" lang="ko-KR" altLang="en-US" sz="2000" dirty="0">
+                <a:latin typeface="Nanum Brush Script" panose="03060600000000000000" pitchFamily="66" charset="-127"/>
+                <a:ea typeface="Nanum Brush Script" panose="03060600000000000000" pitchFamily="66" charset="-127"/>
+              </a:rPr>
+              <a:t> </a:t>
+            </a:r>
+            <a:r>
+              <a:rPr kumimoji="1" lang="en-US" altLang="ko-KR" sz="2000" dirty="0">
+                <a:latin typeface="Nanum Brush Script" panose="03060600000000000000" pitchFamily="66" charset="-127"/>
+                <a:ea typeface="Nanum Brush Script" panose="03060600000000000000" pitchFamily="66" charset="-127"/>
+              </a:rPr>
+              <a:t>Setting</a:t>
+            </a:r>
+            <a:endParaRPr kumimoji="1" lang="ko-Kore-KR" altLang="en-US" sz="2000" dirty="0">
+              <a:latin typeface="Nanum Brush Script" panose="03060600000000000000" pitchFamily="66" charset="-127"/>
+              <a:ea typeface="Nanum Brush Script" panose="03060600000000000000" pitchFamily="66" charset="-127"/>
+            </a:endParaRPr>
+          </a:p>
+        </p:txBody>
+      </p:sp>
+      <p:pic>
+        <p:nvPicPr>
+          <p:cNvPr id="3" name="그림 2">
+            <a:extLst>
+              <a:ext uri="{FF2B5EF4-FFF2-40B4-BE49-F238E27FC236}">
+                <a16:creationId xmlns:a16="http://schemas.microsoft.com/office/drawing/2014/main" id="{AE2BF408-4DCD-BA51-F2CF-86CE58FB9CBF}"/>
+              </a:ext>
+            </a:extLst>
+          </p:cNvPr>
+          <p:cNvPicPr>
+            <a:picLocks noChangeAspect="1"/>
+          </p:cNvPicPr>
+          <p:nvPr/>
+        </p:nvPicPr>
+        <p:blipFill>
+          <a:blip r:embed="rId2"/>
+          <a:stretch>
+            <a:fillRect/>
+          </a:stretch>
+        </p:blipFill>
+        <p:spPr>
+          <a:xfrm>
+            <a:off x="0" y="1778000"/>
+            <a:ext cx="2463800" cy="5080000"/>
+          </a:xfrm>
+          <a:prstGeom prst="rect">
+            <a:avLst/>
+          </a:prstGeom>
+        </p:spPr>
+      </p:pic>
+      <p:pic>
+        <p:nvPicPr>
+          <p:cNvPr id="6" name="그림 5" descr="텍스트이(가) 표시된 사진&#10;&#10;자동 생성된 설명">
+            <a:extLst>
+              <a:ext uri="{FF2B5EF4-FFF2-40B4-BE49-F238E27FC236}">
+                <a16:creationId xmlns:a16="http://schemas.microsoft.com/office/drawing/2014/main" id="{B220FA98-D3E9-1A0B-B583-26AA39DDF256}"/>
+              </a:ext>
+            </a:extLst>
+          </p:cNvPr>
+          <p:cNvPicPr>
+            <a:picLocks noChangeAspect="1"/>
+          </p:cNvPicPr>
+          <p:nvPr/>
+        </p:nvPicPr>
+        <p:blipFill>
+          <a:blip r:embed="rId3"/>
+          <a:stretch>
+            <a:fillRect/>
+          </a:stretch>
+        </p:blipFill>
+        <p:spPr>
+          <a:xfrm>
+            <a:off x="2653700" y="1774166"/>
+            <a:ext cx="2463800" cy="5080000"/>
+          </a:xfrm>
+          <a:prstGeom prst="rect">
+            <a:avLst/>
+          </a:prstGeom>
+        </p:spPr>
+      </p:pic>
+      <p:pic>
+        <p:nvPicPr>
+          <p:cNvPr id="15" name="그림 14" descr="테이블이(가) 표시된 사진&#10;&#10;자동 생성된 설명">
+            <a:extLst>
+              <a:ext uri="{FF2B5EF4-FFF2-40B4-BE49-F238E27FC236}">
+                <a16:creationId xmlns:a16="http://schemas.microsoft.com/office/drawing/2014/main" id="{FB695642-3C6E-2299-3DFA-E18A70E00C61}"/>
+              </a:ext>
+            </a:extLst>
+          </p:cNvPr>
+          <p:cNvPicPr>
+            <a:picLocks noChangeAspect="1"/>
+          </p:cNvPicPr>
+          <p:nvPr/>
+        </p:nvPicPr>
+        <p:blipFill>
+          <a:blip r:embed="rId4"/>
+          <a:stretch>
+            <a:fillRect/>
+          </a:stretch>
+        </p:blipFill>
+        <p:spPr>
+          <a:xfrm>
+            <a:off x="5307400" y="3537956"/>
+            <a:ext cx="6480000" cy="1552420"/>
+          </a:xfrm>
+          <a:prstGeom prst="rect">
+            <a:avLst/>
+          </a:prstGeom>
+        </p:spPr>
+      </p:pic>
+    </p:spTree>
+    <p:extLst>
+      <p:ext uri="{BB962C8B-B14F-4D97-AF65-F5344CB8AC3E}">
+        <p14:creationId xmlns:p14="http://schemas.microsoft.com/office/powerpoint/2010/main" val="2040197783"/>
+      </p:ext>
+    </p:extLst>
+  </p:cSld>
+  <p:clrMapOvr>
+    <a:masterClrMapping/>
+  </p:clrMapOvr>
+</p:sld>
+</file>
+
+<file path=ppt/slides/slide9.xml><?xml version="1.0" encoding="utf-8"?>
+<p:sld xmlns:a="http://schemas.openxmlformats.org/drawingml/2006/main" xmlns:r="http://schemas.openxmlformats.org/officeDocument/2006/relationships" xmlns:p="http://schemas.openxmlformats.org/presentationml/2006/main">
+  <p:cSld>
+    <p:spTree>
+      <p:nvGrpSpPr>
+        <p:cNvPr id="1" name=""/>
+        <p:cNvGrpSpPr/>
+        <p:nvPr/>
+      </p:nvGrpSpPr>
+      <p:grpSpPr>
+        <a:xfrm>
+          <a:off x="0" y="0"/>
+          <a:ext cx="0" cy="0"/>
+          <a:chOff x="0" y="0"/>
+          <a:chExt cx="0" cy="0"/>
+        </a:xfrm>
+      </p:grpSpPr>
+      <p:sp>
+        <p:nvSpPr>
+          <p:cNvPr id="8" name="모서리가 둥근 직사각형 7">
+            <a:extLst>
+              <a:ext uri="{FF2B5EF4-FFF2-40B4-BE49-F238E27FC236}">
+                <a16:creationId xmlns:a16="http://schemas.microsoft.com/office/drawing/2014/main" id="{C1B94948-C823-5E52-3BB6-C3A7901E4A7F}"/>
+              </a:ext>
+            </a:extLst>
+          </p:cNvPr>
+          <p:cNvSpPr/>
+          <p:nvPr/>
+        </p:nvSpPr>
+        <p:spPr>
+          <a:xfrm>
+            <a:off x="1842698" y="1328467"/>
+            <a:ext cx="621102" cy="336430"/>
+          </a:xfrm>
+          <a:prstGeom prst="roundRect">
+            <a:avLst/>
+          </a:prstGeom>
+          <a:solidFill>
+            <a:srgbClr val="FD997D"/>
+          </a:solidFill>
+          <a:ln>
+            <a:noFill/>
+          </a:ln>
+        </p:spPr>
+        <p:style>
+          <a:lnRef idx="2">
+            <a:schemeClr val="accent1">
+              <a:shade val="50000"/>
+            </a:schemeClr>
+          </a:lnRef>
+          <a:fillRef idx="1">
+            <a:schemeClr val="accent1"/>
+          </a:fillRef>
+          <a:effectRef idx="0">
+            <a:schemeClr val="accent1"/>
+          </a:effectRef>
+          <a:fontRef idx="minor">
+            <a:schemeClr val="lt1"/>
+          </a:fontRef>
+        </p:style>
+        <p:txBody>
+          <a:bodyPr rtlCol="0" anchor="ctr"/>
+          <a:lstStyle/>
+          <a:p>
+            <a:pPr algn="ctr"/>
+            <a:r>
+              <a:rPr kumimoji="1" lang="en-US" altLang="ko-Kore-KR" dirty="0"/>
+              <a:t>1-3</a:t>
+            </a:r>
+            <a:endParaRPr kumimoji="1" lang="ko-Kore-KR" altLang="en-US" dirty="0"/>
+          </a:p>
+        </p:txBody>
+      </p:sp>
+      <p:sp>
+        <p:nvSpPr>
+          <p:cNvPr id="9" name="모서리가 둥근 직사각형 8">
+            <a:extLst>
+              <a:ext uri="{FF2B5EF4-FFF2-40B4-BE49-F238E27FC236}">
+                <a16:creationId xmlns:a16="http://schemas.microsoft.com/office/drawing/2014/main" id="{2706CF05-1DA9-5B12-F7F2-CE5081531C73}"/>
+              </a:ext>
+            </a:extLst>
+          </p:cNvPr>
+          <p:cNvSpPr/>
+          <p:nvPr/>
+        </p:nvSpPr>
+        <p:spPr>
+          <a:xfrm>
+            <a:off x="4496398" y="1328467"/>
+            <a:ext cx="621102" cy="336430"/>
+          </a:xfrm>
+          <a:prstGeom prst="roundRect">
+            <a:avLst/>
+          </a:prstGeom>
+          <a:solidFill>
+            <a:srgbClr val="FD997D"/>
+          </a:solidFill>
+          <a:ln>
+            <a:noFill/>
+          </a:ln>
+        </p:spPr>
+        <p:style>
+          <a:lnRef idx="2">
+            <a:schemeClr val="accent1">
+              <a:shade val="50000"/>
+            </a:schemeClr>
+          </a:lnRef>
+          <a:fillRef idx="1">
+            <a:schemeClr val="accent1"/>
+          </a:fillRef>
+          <a:effectRef idx="0">
+            <a:schemeClr val="accent1"/>
+          </a:effectRef>
+          <a:fontRef idx="minor">
+            <a:schemeClr val="lt1"/>
+          </a:fontRef>
+        </p:style>
+        <p:txBody>
+          <a:bodyPr rtlCol="0" anchor="ctr"/>
+          <a:lstStyle/>
+          <a:p>
+            <a:pPr algn="ctr"/>
+            <a:r>
+              <a:rPr kumimoji="1" lang="en-US" altLang="ko-Kore-KR" dirty="0"/>
+              <a:t>1-4</a:t>
+            </a:r>
+            <a:endParaRPr kumimoji="1" lang="ko-Kore-KR" altLang="en-US" dirty="0"/>
+          </a:p>
+        </p:txBody>
+      </p:sp>
+      <p:sp>
+        <p:nvSpPr>
+          <p:cNvPr id="10" name="모서리가 둥근 직사각형 9">
+            <a:extLst>
+              <a:ext uri="{FF2B5EF4-FFF2-40B4-BE49-F238E27FC236}">
+                <a16:creationId xmlns:a16="http://schemas.microsoft.com/office/drawing/2014/main" id="{98AA0CDE-2AD2-0265-B554-7E9A73DA5964}"/>
+              </a:ext>
+            </a:extLst>
+          </p:cNvPr>
+          <p:cNvSpPr/>
+          <p:nvPr/>
+        </p:nvSpPr>
+        <p:spPr>
+          <a:xfrm>
+            <a:off x="820822" y="370936"/>
+            <a:ext cx="2332653" cy="539390"/>
+          </a:xfrm>
+          <a:prstGeom prst="roundRect">
+            <a:avLst/>
+          </a:prstGeom>
+          <a:solidFill>
+            <a:srgbClr val="FD997D"/>
+          </a:solidFill>
+          <a:ln>
+            <a:noFill/>
+          </a:ln>
+        </p:spPr>
+        <p:style>
+          <a:lnRef idx="2">
+            <a:schemeClr val="accent1">
+              <a:shade val="50000"/>
+            </a:schemeClr>
+          </a:lnRef>
+          <a:fillRef idx="1">
+            <a:schemeClr val="accent1"/>
+          </a:fillRef>
+          <a:effectRef idx="0">
+            <a:schemeClr val="accent1"/>
+          </a:effectRef>
+          <a:fontRef idx="minor">
+            <a:schemeClr val="lt1"/>
+          </a:fontRef>
+        </p:style>
+        <p:txBody>
+          <a:bodyPr rtlCol="0" anchor="ctr"/>
+          <a:lstStyle/>
+          <a:p>
+            <a:pPr algn="ctr"/>
+            <a:r>
+              <a:rPr kumimoji="1" lang="ko-KR" altLang="en-US" sz="2000" dirty="0">
+                <a:latin typeface="Nanum Brush Script" panose="03060600000000000000" pitchFamily="66" charset="-127"/>
+                <a:ea typeface="Nanum Brush Script" panose="03060600000000000000" pitchFamily="66" charset="-127"/>
+              </a:rPr>
+              <a:t>기능 명세서</a:t>
+            </a:r>
+            <a:r>
+              <a:rPr kumimoji="1" lang="en-US" altLang="ko-KR" sz="2000" dirty="0">
+                <a:latin typeface="Nanum Brush Script" panose="03060600000000000000" pitchFamily="66" charset="-127"/>
+                <a:ea typeface="Nanum Brush Script" panose="03060600000000000000" pitchFamily="66" charset="-127"/>
+              </a:rPr>
+              <a:t> -</a:t>
+            </a:r>
+            <a:r>
+              <a:rPr kumimoji="1" lang="ko-KR" altLang="en-US" sz="2000" dirty="0">
+                <a:latin typeface="Nanum Brush Script" panose="03060600000000000000" pitchFamily="66" charset="-127"/>
+                <a:ea typeface="Nanum Brush Script" panose="03060600000000000000" pitchFamily="66" charset="-127"/>
+              </a:rPr>
+              <a:t> </a:t>
+            </a:r>
+            <a:r>
+              <a:rPr kumimoji="1" lang="en-US" altLang="ko-KR" sz="2000" dirty="0">
+                <a:latin typeface="Nanum Brush Script" panose="03060600000000000000" pitchFamily="66" charset="-127"/>
+                <a:ea typeface="Nanum Brush Script" panose="03060600000000000000" pitchFamily="66" charset="-127"/>
+              </a:rPr>
+              <a:t>Setting</a:t>
+            </a:r>
+            <a:endParaRPr kumimoji="1" lang="ko-Kore-KR" altLang="en-US" sz="2000" dirty="0">
+              <a:latin typeface="Nanum Brush Script" panose="03060600000000000000" pitchFamily="66" charset="-127"/>
+              <a:ea typeface="Nanum Brush Script" panose="03060600000000000000" pitchFamily="66" charset="-127"/>
+            </a:endParaRPr>
+          </a:p>
+        </p:txBody>
+      </p:sp>
+      <p:pic>
+        <p:nvPicPr>
+          <p:cNvPr id="4" name="그림 3">
+            <a:extLst>
+              <a:ext uri="{FF2B5EF4-FFF2-40B4-BE49-F238E27FC236}">
+                <a16:creationId xmlns:a16="http://schemas.microsoft.com/office/drawing/2014/main" id="{36D18267-7CB0-C88A-C6EE-9CD058501AC6}"/>
+              </a:ext>
+            </a:extLst>
+          </p:cNvPr>
+          <p:cNvPicPr>
+            <a:picLocks noChangeAspect="1"/>
+          </p:cNvPicPr>
+          <p:nvPr/>
+        </p:nvPicPr>
+        <p:blipFill>
+          <a:blip r:embed="rId2"/>
+          <a:stretch>
+            <a:fillRect/>
+          </a:stretch>
+        </p:blipFill>
+        <p:spPr>
+          <a:xfrm>
+            <a:off x="0" y="1774800"/>
+            <a:ext cx="2471531" cy="5083200"/>
+          </a:xfrm>
+          <a:prstGeom prst="rect">
+            <a:avLst/>
+          </a:prstGeom>
+        </p:spPr>
+      </p:pic>
+      <p:pic>
+        <p:nvPicPr>
+          <p:cNvPr id="7" name="그림 6">
+            <a:extLst>
+              <a:ext uri="{FF2B5EF4-FFF2-40B4-BE49-F238E27FC236}">
+                <a16:creationId xmlns:a16="http://schemas.microsoft.com/office/drawing/2014/main" id="{50A741F9-4D39-4AC5-33AD-9E94C0D43625}"/>
+              </a:ext>
+            </a:extLst>
+          </p:cNvPr>
+          <p:cNvPicPr>
+            <a:picLocks noChangeAspect="1"/>
+          </p:cNvPicPr>
+          <p:nvPr/>
+        </p:nvPicPr>
+        <p:blipFill>
+          <a:blip r:embed="rId3"/>
+          <a:stretch>
+            <a:fillRect/>
+          </a:stretch>
+        </p:blipFill>
+        <p:spPr>
+          <a:xfrm>
+            <a:off x="2657565" y="1778000"/>
+            <a:ext cx="2463800" cy="5080000"/>
+          </a:xfrm>
+          <a:prstGeom prst="rect">
+            <a:avLst/>
+          </a:prstGeom>
+        </p:spPr>
+      </p:pic>
+      <p:pic>
+        <p:nvPicPr>
+          <p:cNvPr id="18" name="그림 17">
+            <a:extLst>
+              <a:ext uri="{FF2B5EF4-FFF2-40B4-BE49-F238E27FC236}">
+                <a16:creationId xmlns:a16="http://schemas.microsoft.com/office/drawing/2014/main" id="{103B9B7E-5316-9A93-6A7A-292F755B1BDF}"/>
+              </a:ext>
+            </a:extLst>
+          </p:cNvPr>
+          <p:cNvPicPr>
+            <a:picLocks noChangeAspect="1"/>
+          </p:cNvPicPr>
+          <p:nvPr/>
+        </p:nvPicPr>
+        <p:blipFill>
+          <a:blip r:embed="rId4"/>
+          <a:stretch>
+            <a:fillRect/>
+          </a:stretch>
+        </p:blipFill>
+        <p:spPr>
+          <a:xfrm>
+            <a:off x="5307399" y="3807479"/>
+            <a:ext cx="6480000" cy="1017842"/>
+          </a:xfrm>
+          <a:prstGeom prst="rect">
+            <a:avLst/>
+          </a:prstGeom>
+        </p:spPr>
+      </p:pic>
+    </p:spTree>
+    <p:extLst>
+      <p:ext uri="{BB962C8B-B14F-4D97-AF65-F5344CB8AC3E}">
+        <p14:creationId xmlns:p14="http://schemas.microsoft.com/office/powerpoint/2010/main" val="1602276922"/>
       </p:ext>
     </p:extLst>
   </p:cSld>

--- a/4-1/소프트웨어 종합설계/7주차/졸업작품 요구사항분석.pptx
+++ b/4-1/소프트웨어 종합설계/7주차/졸업작품 요구사항분석.pptx
@@ -20,20 +20,20 @@
   <p:notesSz cx="6858000" cy="9144000"/>
   <p:embeddedFontLst>
     <p:embeddedFont>
-      <p:font typeface="Nanum Brush Script" panose="03060600000000000000" pitchFamily="66" charset="-127"/>
+      <p:font typeface="Calibri" panose="020F0502020204030204" pitchFamily="34" charset="0"/>
       <p:regular r:id="rId12"/>
-    </p:embeddedFont>
-    <p:embeddedFont>
-      <p:font typeface="Calibri" panose="020F0502020204030204" pitchFamily="34" charset="0"/>
-      <p:regular r:id="rId13"/>
-      <p:bold r:id="rId14"/>
-      <p:italic r:id="rId15"/>
-      <p:boldItalic r:id="rId16"/>
+      <p:bold r:id="rId13"/>
+      <p:italic r:id="rId14"/>
+      <p:boldItalic r:id="rId15"/>
     </p:embeddedFont>
     <p:embeddedFont>
       <p:font typeface="Calibri Light" panose="020F0302020204030204" pitchFamily="34" charset="0"/>
-      <p:regular r:id="rId17"/>
-      <p:italic r:id="rId18"/>
+      <p:regular r:id="rId16"/>
+      <p:italic r:id="rId17"/>
+    </p:embeddedFont>
+    <p:embeddedFont>
+      <p:font typeface="Nanum Brush Script" panose="03060600000000000000" pitchFamily="66" charset="-127"/>
+      <p:regular r:id="rId18"/>
     </p:embeddedFont>
   </p:embeddedFontLst>
   <p:defaultTextStyle>
@@ -3837,7 +3837,7 @@
           <p:nvPr>
             <p:extLst>
               <p:ext uri="{D42A27DB-BD31-4B8C-83A1-F6EECF244321}">
-                <p14:modId xmlns:p14="http://schemas.microsoft.com/office/powerpoint/2010/main" val="1923055176"/>
+                <p14:modId xmlns:p14="http://schemas.microsoft.com/office/powerpoint/2010/main" val="3507542908"/>
               </p:ext>
             </p:extLst>
           </p:nvPr>
@@ -3927,7 +3927,7 @@
                       <a:pPr algn="ctr"/>
                       <a:r>
                         <a:rPr lang="en-US" altLang="ko-Kore-KR" dirty="0"/>
-                        <a:t>IOS </a:t>
+                        <a:t>iOS </a:t>
                       </a:r>
                       <a:r>
                         <a:rPr lang="ko-KR" altLang="en-US" dirty="0"/>
@@ -3988,7 +3988,7 @@
                       </a:r>
                       <a:r>
                         <a:rPr lang="ko-KR" altLang="en-US" dirty="0"/>
-                        <a:t> 그래프 등</a:t>
+                        <a:t> 그래프</a:t>
                       </a:r>
                       <a:endParaRPr lang="ko-Kore-KR" altLang="en-US" dirty="0"/>
                     </a:p>
@@ -4020,7 +4020,7 @@
           <p:nvPr>
             <p:extLst>
               <p:ext uri="{D42A27DB-BD31-4B8C-83A1-F6EECF244321}">
-                <p14:modId xmlns:p14="http://schemas.microsoft.com/office/powerpoint/2010/main" val="3679274989"/>
+                <p14:modId xmlns:p14="http://schemas.microsoft.com/office/powerpoint/2010/main" val="2013745832"/>
               </p:ext>
             </p:extLst>
           </p:nvPr>
@@ -4091,9 +4091,10 @@
                     <a:p>
                       <a:pPr algn="ctr"/>
                       <a:r>
-                        <a:rPr lang="ko-Kore-KR" altLang="en-US" dirty="0"/>
-                        <a:t>구현환경</a:t>
+                        <a:rPr lang="en-US" altLang="ko-Kore-KR" dirty="0"/>
+                        <a:t>IDE</a:t>
                       </a:r>
+                      <a:endParaRPr lang="ko-Kore-KR" altLang="en-US" dirty="0"/>
                     </a:p>
                   </a:txBody>
                   <a:tcPr/>
@@ -4220,7 +4221,7 @@
                       </a:r>
                       <a:r>
                         <a:rPr lang="ko-KR" altLang="en-US" dirty="0"/>
-                        <a:t> 그래프 등</a:t>
+                        <a:t> 그래프</a:t>
                       </a:r>
                       <a:endParaRPr lang="ko-Kore-KR" altLang="en-US" dirty="0"/>
                     </a:p>
@@ -4469,19 +4470,19 @@
             </a:r>
             <a:r>
               <a:rPr kumimoji="1" lang="en-US" altLang="ko-KR" sz="1200" dirty="0"/>
-              <a:t>,</a:t>
+              <a:t>/</a:t>
             </a:r>
             <a:r>
               <a:rPr kumimoji="1" lang="ko-KR" altLang="en-US" sz="1200" dirty="0"/>
-              <a:t> 수정</a:t>
+              <a:t>수정</a:t>
             </a:r>
             <a:r>
               <a:rPr kumimoji="1" lang="en-US" altLang="ko-KR" sz="1200" dirty="0"/>
-              <a:t>,</a:t>
+              <a:t>/</a:t>
             </a:r>
             <a:r>
               <a:rPr kumimoji="1" lang="ko-KR" altLang="en-US" sz="1200" dirty="0"/>
-              <a:t> 삭제 할 수 있어야한다</a:t>
+              <a:t>삭제 할 수 있다</a:t>
             </a:r>
             <a:r>
               <a:rPr kumimoji="1" lang="en-US" altLang="ko-KR" sz="1200" dirty="0"/>
@@ -4502,27 +4503,27 @@
             </a:r>
             <a:r>
               <a:rPr kumimoji="1" lang="en-US" altLang="ko-KR" sz="1200" dirty="0"/>
-              <a:t>,</a:t>
+              <a:t>/</a:t>
             </a:r>
             <a:r>
               <a:rPr kumimoji="1" lang="ko-KR" altLang="en-US" sz="1200" dirty="0"/>
-              <a:t> 내용</a:t>
+              <a:t>내용</a:t>
             </a:r>
             <a:r>
               <a:rPr kumimoji="1" lang="en-US" altLang="ko-KR" sz="1200" dirty="0"/>
-              <a:t>,</a:t>
+              <a:t>/</a:t>
             </a:r>
             <a:r>
               <a:rPr kumimoji="1" lang="ko-KR" altLang="en-US" sz="1200" dirty="0"/>
-              <a:t> 해시태그</a:t>
+              <a:t>해시태그</a:t>
             </a:r>
             <a:r>
               <a:rPr kumimoji="1" lang="en-US" altLang="ko-KR" sz="1200" dirty="0"/>
-              <a:t>,</a:t>
+              <a:t>/</a:t>
             </a:r>
             <a:r>
               <a:rPr kumimoji="1" lang="ko-KR" altLang="en-US" sz="1200" dirty="0"/>
-              <a:t> 날짜를 포함 해야 한다</a:t>
+              <a:t>날짜를 포함 한다</a:t>
             </a:r>
             <a:r>
               <a:rPr kumimoji="1" lang="en-US" altLang="ko-KR" sz="1200" dirty="0"/>
@@ -4543,11 +4544,11 @@
             </a:r>
             <a:r>
               <a:rPr kumimoji="1" lang="en-US" altLang="ko-KR" sz="1200" dirty="0"/>
-              <a:t>,</a:t>
+              <a:t>/</a:t>
             </a:r>
             <a:r>
               <a:rPr kumimoji="1" lang="ko-KR" altLang="en-US" sz="1200" dirty="0"/>
-              <a:t> 혹은 카메라에서 등록할 수 있어야 한다</a:t>
+              <a:t>카메라를 통해서 등록할 수 있다</a:t>
             </a:r>
             <a:r>
               <a:rPr kumimoji="1" lang="en-US" altLang="ko-KR" sz="1200" dirty="0"/>
@@ -4564,7 +4565,7 @@
             </a:pPr>
             <a:r>
               <a:rPr kumimoji="1" lang="ko-KR" altLang="en-US" sz="1200" dirty="0"/>
-              <a:t>같은 날짜에 두 개의 다이어리를 작성할 수 없어야 한다</a:t>
+              <a:t>같은 날짜에 두 개의 다이어리를 작성할 수 없다</a:t>
             </a:r>
             <a:r>
               <a:rPr kumimoji="1" lang="en-US" altLang="ko-KR" sz="1200" dirty="0"/>
@@ -4581,7 +4582,7 @@
             </a:pPr>
             <a:r>
               <a:rPr kumimoji="1" lang="ko-KR" altLang="en-US" sz="1200" dirty="0"/>
-              <a:t>해시태그를 통해 검색할 수 있어야 한다</a:t>
+              <a:t>해시태그를 통해 검색할 수 있다</a:t>
             </a:r>
             <a:r>
               <a:rPr kumimoji="1" lang="en-US" altLang="ko-KR" sz="1200" dirty="0"/>
@@ -4598,12 +4599,13 @@
             </a:pPr>
             <a:r>
               <a:rPr kumimoji="1" lang="ko-KR" altLang="en-US" sz="1200" dirty="0"/>
-              <a:t>캘린더에서 작성된 다이어리가 있다면 해당 날짜에 점을 통해 다이어리 작성 여부를 알 수 있어야 한다</a:t>
-            </a:r>
-            <a:r>
-              <a:rPr kumimoji="1" lang="en-US" altLang="ko-KR" sz="1200" dirty="0"/>
+              <a:t>검색 결과에서 해당 다이어리를 누르면 다이어리로 이동한다</a:t>
+            </a:r>
+            <a:r>
+              <a:rPr kumimoji="1" lang="en-US" altLang="ko-KR" sz="1200"/>
               <a:t>.</a:t>
             </a:r>
+            <a:endParaRPr kumimoji="1" lang="en-US" altLang="ko-KR" sz="1200" dirty="0"/>
           </a:p>
           <a:p>
             <a:pPr marL="285750" indent="-285750">
@@ -4615,7 +4617,7 @@
             </a:pPr>
             <a:r>
               <a:rPr kumimoji="1" lang="ko-KR" altLang="en-US" sz="1200" dirty="0"/>
-              <a:t>캘린더 해당 날짜를 누르면 작성된 다이어리 정보를 화면에 보여줘야 한다</a:t>
+              <a:t>캘린더에서 작성된 다이어리가 있다면 해당 날짜에 점을 통해 다이어리 작성 여부를 알 수 있다</a:t>
             </a:r>
             <a:r>
               <a:rPr kumimoji="1" lang="en-US" altLang="ko-KR" sz="1200" dirty="0"/>
@@ -4632,23 +4634,40 @@
             </a:pPr>
             <a:r>
               <a:rPr kumimoji="1" lang="ko-KR" altLang="en-US" sz="1200" dirty="0"/>
+              <a:t>캘린더 해당 날짜를 누르면 작성된 다이어리 정보를 화면에 보여준다</a:t>
+            </a:r>
+            <a:r>
+              <a:rPr kumimoji="1" lang="en-US" altLang="ko-KR" sz="1200" dirty="0"/>
+              <a:t>.</a:t>
+            </a:r>
+          </a:p>
+          <a:p>
+            <a:pPr marL="285750" indent="-285750">
+              <a:lnSpc>
+                <a:spcPct val="200000"/>
+              </a:lnSpc>
+              <a:buFontTx/>
+              <a:buChar char="-"/>
+            </a:pPr>
+            <a:r>
+              <a:rPr kumimoji="1" lang="ko-KR" altLang="en-US" sz="1200" dirty="0"/>
               <a:t>이전</a:t>
             </a:r>
             <a:r>
               <a:rPr kumimoji="1" lang="en-US" altLang="ko-KR" sz="1200" dirty="0"/>
-              <a:t>,</a:t>
+              <a:t>/</a:t>
             </a:r>
             <a:r>
               <a:rPr kumimoji="1" lang="ko-KR" altLang="en-US" sz="1200" dirty="0"/>
-              <a:t> 다음 이동 버튼으로 이전</a:t>
+              <a:t>다음 이동 버튼으로 이전</a:t>
             </a:r>
             <a:r>
               <a:rPr kumimoji="1" lang="en-US" altLang="ko-KR" sz="1200" dirty="0"/>
-              <a:t>,</a:t>
+              <a:t>/</a:t>
             </a:r>
             <a:r>
               <a:rPr kumimoji="1" lang="ko-KR" altLang="en-US" sz="1200" dirty="0"/>
-              <a:t> 다음 다이어리를 보여줘야 한다</a:t>
+              <a:t>다음 다이어리를 보여준다</a:t>
             </a:r>
             <a:r>
               <a:rPr kumimoji="1" lang="en-US" altLang="ko-KR" sz="1200" dirty="0"/>
@@ -4918,19 +4937,19 @@
             </a:r>
             <a:r>
               <a:rPr kumimoji="1" lang="en-US" altLang="ko-KR" sz="1200" dirty="0"/>
-              <a:t>,</a:t>
+              <a:t>/</a:t>
             </a:r>
             <a:r>
               <a:rPr kumimoji="1" lang="ko-KR" altLang="en-US" sz="1200" dirty="0"/>
-              <a:t> 수정</a:t>
+              <a:t>수정</a:t>
             </a:r>
             <a:r>
               <a:rPr kumimoji="1" lang="en-US" altLang="ko-KR" sz="1200" dirty="0"/>
-              <a:t>,</a:t>
+              <a:t>/</a:t>
             </a:r>
             <a:r>
               <a:rPr kumimoji="1" lang="ko-KR" altLang="en-US" sz="1200" dirty="0"/>
-              <a:t> 삭제 할 수 있어야한다</a:t>
+              <a:t>삭제 할 수 있다</a:t>
             </a:r>
             <a:r>
               <a:rPr kumimoji="1" lang="en-US" altLang="ko-KR" sz="1200" dirty="0"/>
@@ -4955,27 +4974,27 @@
             </a:r>
             <a:r>
               <a:rPr kumimoji="1" lang="en-US" altLang="ko-KR" sz="1200" dirty="0"/>
-              <a:t>,</a:t>
+              <a:t>/</a:t>
             </a:r>
             <a:r>
               <a:rPr kumimoji="1" lang="ko-KR" altLang="en-US" sz="1200" dirty="0"/>
-              <a:t> 메모</a:t>
+              <a:t>메모</a:t>
             </a:r>
             <a:r>
               <a:rPr kumimoji="1" lang="en-US" altLang="ko-KR" sz="1200" dirty="0"/>
-              <a:t>,</a:t>
+              <a:t>/</a:t>
             </a:r>
             <a:r>
               <a:rPr kumimoji="1" lang="ko-KR" altLang="en-US" sz="1200" dirty="0"/>
-              <a:t> 시작날짜</a:t>
+              <a:t>시작날짜</a:t>
             </a:r>
             <a:r>
               <a:rPr kumimoji="1" lang="en-US" altLang="ko-KR" sz="1200" dirty="0"/>
-              <a:t>,</a:t>
+              <a:t>/</a:t>
             </a:r>
             <a:r>
               <a:rPr kumimoji="1" lang="ko-KR" altLang="en-US" sz="1200" dirty="0"/>
-              <a:t> 종료날짜를 포함 해야 한다</a:t>
+              <a:t>종료날짜를 포함 한다</a:t>
             </a:r>
             <a:r>
               <a:rPr kumimoji="1" lang="en-US" altLang="ko-KR" sz="1200" dirty="0"/>
@@ -5000,7 +5019,7 @@
             </a:r>
             <a:r>
               <a:rPr kumimoji="1" lang="ko-KR" altLang="en-US" sz="1200" dirty="0"/>
-              <a:t> 계속해서 보여줘야 한다</a:t>
+              <a:t> 계속해서 유지한다</a:t>
             </a:r>
             <a:r>
               <a:rPr kumimoji="1" lang="en-US" altLang="ko-KR" sz="1200" dirty="0"/>
@@ -5021,11 +5040,7 @@
             </a:r>
             <a:r>
               <a:rPr kumimoji="1" lang="ko-KR" altLang="en-US" sz="1200" dirty="0"/>
-              <a:t> 버튼이 체크되면 글씨를 흐리게 </a:t>
-            </a:r>
-            <a:r>
-              <a:rPr kumimoji="1" lang="ko-KR" altLang="en-US" sz="1200" dirty="0" err="1"/>
-              <a:t>바꿔줘야한다</a:t>
+              <a:t> 버튼이 체크되면 글씨를 흐리게 바꿔준다</a:t>
             </a:r>
             <a:r>
               <a:rPr kumimoji="1" lang="en-US" altLang="ko-KR" sz="1200" dirty="0"/>
@@ -5042,7 +5057,7 @@
             </a:pPr>
             <a:r>
               <a:rPr kumimoji="1" lang="ko-KR" altLang="en-US" sz="1200" dirty="0"/>
-              <a:t>체크된 버튼의 개수로 주간 성취율을 보여줘야 한다</a:t>
+              <a:t>체크된 버튼의 개수로 주간 성취율을 보여준다</a:t>
             </a:r>
             <a:r>
               <a:rPr kumimoji="1" lang="en-US" altLang="ko-KR" sz="1200" dirty="0"/>
@@ -5075,7 +5090,7 @@
             </a:r>
             <a:r>
               <a:rPr kumimoji="1" lang="ko-KR" altLang="en-US" sz="1200" dirty="0"/>
-              <a:t> 작성 여부를 알 수 있어야 한다</a:t>
+              <a:t> 작성 여부를 알 수 있다</a:t>
             </a:r>
             <a:r>
               <a:rPr kumimoji="1" lang="en-US" altLang="ko-KR" sz="1200" dirty="0"/>
@@ -5100,7 +5115,7 @@
             </a:r>
             <a:r>
               <a:rPr kumimoji="1" lang="ko-KR" altLang="en-US" sz="1200" dirty="0"/>
-              <a:t> 정보를 화면에 보여줘야 한다</a:t>
+              <a:t> 정보를 화면에 보여준다</a:t>
             </a:r>
             <a:r>
               <a:rPr kumimoji="1" lang="en-US" altLang="ko-KR" sz="1200" dirty="0"/>
@@ -5121,19 +5136,19 @@
             </a:r>
             <a:r>
               <a:rPr kumimoji="1" lang="en-US" altLang="ko-KR" sz="1200" dirty="0"/>
-              <a:t>,</a:t>
+              <a:t>/</a:t>
             </a:r>
             <a:r>
               <a:rPr kumimoji="1" lang="ko-KR" altLang="en-US" sz="1200" dirty="0"/>
-              <a:t> 다음 이동 버튼으로 이전</a:t>
+              <a:t>다음 이동 버튼으로 이전</a:t>
             </a:r>
             <a:r>
               <a:rPr kumimoji="1" lang="en-US" altLang="ko-KR" sz="1200" dirty="0"/>
-              <a:t>,</a:t>
+              <a:t>/</a:t>
             </a:r>
             <a:r>
               <a:rPr kumimoji="1" lang="ko-KR" altLang="en-US" sz="1200" dirty="0"/>
-              <a:t> 다음 </a:t>
+              <a:t>다음 </a:t>
             </a:r>
             <a:r>
               <a:rPr kumimoji="1" lang="ko-KR" altLang="en-US" sz="1200" dirty="0" err="1"/>
@@ -5141,7 +5156,7 @@
             </a:r>
             <a:r>
               <a:rPr kumimoji="1" lang="ko-KR" altLang="en-US" sz="1200" dirty="0"/>
-              <a:t> 보여줘야 한다</a:t>
+              <a:t> 보여준다</a:t>
             </a:r>
             <a:r>
               <a:rPr kumimoji="1" lang="en-US" altLang="ko-KR" sz="1200" dirty="0"/>
@@ -5447,7 +5462,7 @@
             </a:pPr>
             <a:r>
               <a:rPr kumimoji="1" lang="ko-KR" altLang="en-US" sz="1200" dirty="0"/>
-              <a:t>날짜 형식을 나타내는 정보를 보여줘야한다</a:t>
+              <a:t>날짜 형식을 통해 앱에서 사용되는 날짜 형식을 변경할 수 있다</a:t>
             </a:r>
             <a:r>
               <a:rPr kumimoji="1" lang="en-US" altLang="ko-KR" sz="1200" dirty="0"/>
@@ -5464,23 +5479,7 @@
             </a:pPr>
             <a:r>
               <a:rPr kumimoji="1" lang="ko-KR" altLang="en-US" sz="1200" dirty="0"/>
-              <a:t>날짜 형식을 선택해서 변경했을 때</a:t>
-            </a:r>
-            <a:r>
-              <a:rPr kumimoji="1" lang="en-US" altLang="ko-KR" sz="1200" dirty="0"/>
-              <a:t>,</a:t>
-            </a:r>
-            <a:r>
-              <a:rPr kumimoji="1" lang="ko-KR" altLang="en-US" sz="1200" dirty="0"/>
-              <a:t> 다이어리와 </a:t>
-            </a:r>
-            <a:r>
-              <a:rPr kumimoji="1" lang="ko-KR" altLang="en-US" sz="1200" dirty="0" err="1"/>
-              <a:t>투두의</a:t>
-            </a:r>
-            <a:r>
-              <a:rPr kumimoji="1" lang="ko-KR" altLang="en-US" sz="1200" dirty="0"/>
-              <a:t> 날짜 형식을 변경해야 한다</a:t>
+              <a:t>글자 크기를 통해 앱에서 사용되는 글자 크기를 변경할 수 있다</a:t>
             </a:r>
             <a:r>
               <a:rPr kumimoji="1" lang="en-US" altLang="ko-KR" sz="1200" dirty="0"/>
@@ -5497,7 +5496,7 @@
             </a:pPr>
             <a:r>
               <a:rPr kumimoji="1" lang="ko-KR" altLang="en-US" sz="1200" dirty="0"/>
-              <a:t>글자 크기를 나타내는 정보를 보여줘야한다</a:t>
+              <a:t>글꼴 설정을 통해 앱에서 사용되는 글꼴을 변경할 수 있다</a:t>
             </a:r>
             <a:r>
               <a:rPr kumimoji="1" lang="en-US" altLang="ko-KR" sz="1200" dirty="0"/>
@@ -5514,120 +5513,13 @@
             </a:pPr>
             <a:r>
               <a:rPr kumimoji="1" lang="ko-KR" altLang="en-US" sz="1200" dirty="0"/>
-              <a:t>글자 크기를 선택해서 변경했을 때</a:t>
-            </a:r>
-            <a:r>
-              <a:rPr kumimoji="1" lang="en-US" altLang="ko-KR" sz="1200" dirty="0"/>
-              <a:t>,</a:t>
-            </a:r>
-            <a:r>
-              <a:rPr kumimoji="1" lang="ko-KR" altLang="en-US" sz="1200" dirty="0"/>
-              <a:t> 다이어리와 </a:t>
-            </a:r>
-            <a:r>
-              <a:rPr kumimoji="1" lang="ko-KR" altLang="en-US" sz="1200" dirty="0" err="1"/>
-              <a:t>투두의</a:t>
-            </a:r>
-            <a:r>
-              <a:rPr kumimoji="1" lang="ko-KR" altLang="en-US" sz="1200" dirty="0"/>
-              <a:t> 글자 크기를 변경해야 한다</a:t>
-            </a:r>
-            <a:r>
-              <a:rPr kumimoji="1" lang="en-US" altLang="ko-KR" sz="1200" dirty="0"/>
+              <a:t>필름 설정을 통해 앱에서 사용되는 필름을 변경할 수 있다</a:t>
+            </a:r>
+            <a:r>
+              <a:rPr kumimoji="1" lang="en-US" altLang="ko-KR" sz="1200"/>
               <a:t>.</a:t>
             </a:r>
-          </a:p>
-          <a:p>
-            <a:pPr marL="285750" indent="-285750">
-              <a:lnSpc>
-                <a:spcPct val="200000"/>
-              </a:lnSpc>
-              <a:buFontTx/>
-              <a:buChar char="-"/>
-            </a:pPr>
-            <a:r>
-              <a:rPr kumimoji="1" lang="ko-KR" altLang="en-US" sz="1200" dirty="0"/>
-              <a:t>글꼴 정보를 보여줘야한다</a:t>
-            </a:r>
-            <a:r>
-              <a:rPr kumimoji="1" lang="en-US" altLang="ko-KR" sz="1200" dirty="0"/>
-              <a:t>.</a:t>
-            </a:r>
-          </a:p>
-          <a:p>
-            <a:pPr marL="285750" indent="-285750">
-              <a:lnSpc>
-                <a:spcPct val="200000"/>
-              </a:lnSpc>
-              <a:buFontTx/>
-              <a:buChar char="-"/>
-            </a:pPr>
-            <a:r>
-              <a:rPr kumimoji="1" lang="ko-KR" altLang="en-US" sz="1200" dirty="0"/>
-              <a:t>글꼴을 선택해서 변경했을 때</a:t>
-            </a:r>
-            <a:r>
-              <a:rPr kumimoji="1" lang="en-US" altLang="ko-KR" sz="1200" dirty="0"/>
-              <a:t>,</a:t>
-            </a:r>
-            <a:r>
-              <a:rPr kumimoji="1" lang="ko-KR" altLang="en-US" sz="1200" dirty="0"/>
-              <a:t> 다이어리와 </a:t>
-            </a:r>
-            <a:r>
-              <a:rPr kumimoji="1" lang="ko-KR" altLang="en-US" sz="1200" dirty="0" err="1"/>
-              <a:t>투두의</a:t>
-            </a:r>
-            <a:r>
-              <a:rPr kumimoji="1" lang="ko-KR" altLang="en-US" sz="1200" dirty="0"/>
-              <a:t> 글꼴을 변경해야 한다</a:t>
-            </a:r>
-            <a:r>
-              <a:rPr kumimoji="1" lang="en-US" altLang="ko-KR" sz="1200" dirty="0"/>
-              <a:t>.</a:t>
-            </a:r>
-          </a:p>
-          <a:p>
-            <a:pPr marL="285750" indent="-285750">
-              <a:lnSpc>
-                <a:spcPct val="200000"/>
-              </a:lnSpc>
-              <a:buFontTx/>
-              <a:buChar char="-"/>
-            </a:pPr>
-            <a:r>
-              <a:rPr kumimoji="1" lang="ko-KR" altLang="en-US" sz="1200" dirty="0"/>
-              <a:t>필름 정보를 보여줘야한다</a:t>
-            </a:r>
-            <a:r>
-              <a:rPr kumimoji="1" lang="en-US" altLang="ko-KR" sz="1200" dirty="0"/>
-              <a:t>.</a:t>
-            </a:r>
-          </a:p>
-          <a:p>
-            <a:pPr marL="285750" indent="-285750">
-              <a:lnSpc>
-                <a:spcPct val="200000"/>
-              </a:lnSpc>
-              <a:buFontTx/>
-              <a:buChar char="-"/>
-            </a:pPr>
-            <a:r>
-              <a:rPr kumimoji="1" lang="ko-KR" altLang="en-US" sz="1200" dirty="0"/>
-              <a:t>필름을 선택해서 변경했을 때</a:t>
-            </a:r>
-            <a:r>
-              <a:rPr kumimoji="1" lang="en-US" altLang="ko-KR" sz="1200" dirty="0"/>
-              <a:t>,</a:t>
-            </a:r>
-            <a:r>
-              <a:rPr kumimoji="1" lang="ko-KR" altLang="en-US" sz="1200" dirty="0"/>
-              <a:t> 다이어리의 필름을 변경해야 한다</a:t>
-            </a:r>
-            <a:r>
-              <a:rPr kumimoji="1" lang="en-US" altLang="ko-KR" sz="1200" dirty="0"/>
-              <a:t>.</a:t>
-            </a:r>
+            <a:endParaRPr kumimoji="1" lang="en-US" altLang="ko-KR" sz="1200" dirty="0"/>
           </a:p>
         </p:txBody>
       </p:sp>

--- a/4-1/소프트웨어 종합설계/7주차/졸업작품 요구사항분석.pptx
+++ b/4-1/소프트웨어 종합설계/7주차/졸업작품 요구사항분석.pptx
@@ -4602,10 +4602,9 @@
               <a:t>검색 결과에서 해당 다이어리를 누르면 다이어리로 이동한다</a:t>
             </a:r>
             <a:r>
-              <a:rPr kumimoji="1" lang="en-US" altLang="ko-KR" sz="1200"/>
+              <a:rPr kumimoji="1" lang="en-US" altLang="ko-KR" sz="1200" dirty="0"/>
               <a:t>.</a:t>
             </a:r>
-            <a:endParaRPr kumimoji="1" lang="en-US" altLang="ko-KR" sz="1200" dirty="0"/>
           </a:p>
           <a:p>
             <a:pPr marL="285750" indent="-285750">
@@ -4668,6 +4667,39 @@
             <a:r>
               <a:rPr kumimoji="1" lang="ko-KR" altLang="en-US" sz="1200" dirty="0"/>
               <a:t>다음 다이어리를 보여준다</a:t>
+            </a:r>
+            <a:r>
+              <a:rPr kumimoji="1" lang="en-US" altLang="ko-KR" sz="1200" dirty="0"/>
+              <a:t>.</a:t>
+            </a:r>
+          </a:p>
+          <a:p>
+            <a:pPr marL="285750" indent="-285750">
+              <a:lnSpc>
+                <a:spcPct val="200000"/>
+              </a:lnSpc>
+              <a:buFontTx/>
+              <a:buChar char="-"/>
+            </a:pPr>
+            <a:r>
+              <a:rPr kumimoji="1" lang="ko-KR" altLang="en-US" sz="1200" dirty="0" err="1"/>
+              <a:t>탭바를</a:t>
+            </a:r>
+            <a:r>
+              <a:rPr kumimoji="1" lang="ko-KR" altLang="en-US" sz="1200" dirty="0"/>
+              <a:t> 이용해 </a:t>
+            </a:r>
+            <a:r>
+              <a:rPr kumimoji="1" lang="ko-KR" altLang="en-US" sz="1200" dirty="0" err="1"/>
+              <a:t>투두</a:t>
+            </a:r>
+            <a:r>
+              <a:rPr kumimoji="1" lang="en-US" altLang="ko-KR" sz="1200" dirty="0"/>
+              <a:t>/</a:t>
+            </a:r>
+            <a:r>
+              <a:rPr kumimoji="1" lang="ko-KR" altLang="en-US" sz="1200" dirty="0"/>
+              <a:t>설정으로 이동할 수 있다</a:t>
             </a:r>
             <a:r>
               <a:rPr kumimoji="1" lang="en-US" altLang="ko-KR" sz="1200" dirty="0"/>
@@ -5157,6 +5189,35 @@
             <a:r>
               <a:rPr kumimoji="1" lang="ko-KR" altLang="en-US" sz="1200" dirty="0"/>
               <a:t> 보여준다</a:t>
+            </a:r>
+            <a:r>
+              <a:rPr kumimoji="1" lang="en-US" altLang="ko-KR" sz="1200" dirty="0"/>
+              <a:t>.</a:t>
+            </a:r>
+          </a:p>
+          <a:p>
+            <a:pPr marL="285750" indent="-285750">
+              <a:lnSpc>
+                <a:spcPct val="200000"/>
+              </a:lnSpc>
+              <a:buFontTx/>
+              <a:buChar char="-"/>
+            </a:pPr>
+            <a:r>
+              <a:rPr kumimoji="1" lang="ko-KR" altLang="en-US" sz="1200" dirty="0" err="1"/>
+              <a:t>탭바를</a:t>
+            </a:r>
+            <a:r>
+              <a:rPr kumimoji="1" lang="ko-KR" altLang="en-US" sz="1200" dirty="0"/>
+              <a:t> 이용해 다이어리</a:t>
+            </a:r>
+            <a:r>
+              <a:rPr kumimoji="1" lang="en-US" altLang="ko-KR" sz="1200" dirty="0"/>
+              <a:t>/</a:t>
+            </a:r>
+            <a:r>
+              <a:rPr kumimoji="1" lang="ko-KR" altLang="en-US" sz="1200" dirty="0"/>
+              <a:t>설정으로 이동할 수 있다</a:t>
             </a:r>
             <a:r>
               <a:rPr kumimoji="1" lang="en-US" altLang="ko-KR" sz="1200" dirty="0"/>
@@ -5516,10 +5577,42 @@
               <a:t>필름 설정을 통해 앱에서 사용되는 필름을 변경할 수 있다</a:t>
             </a:r>
             <a:r>
-              <a:rPr kumimoji="1" lang="en-US" altLang="ko-KR" sz="1200"/>
+              <a:rPr kumimoji="1" lang="en-US" altLang="ko-KR" sz="1200" dirty="0"/>
               <a:t>.</a:t>
             </a:r>
-            <a:endParaRPr kumimoji="1" lang="en-US" altLang="ko-KR" sz="1200" dirty="0"/>
+          </a:p>
+          <a:p>
+            <a:pPr marL="285750" indent="-285750">
+              <a:lnSpc>
+                <a:spcPct val="200000"/>
+              </a:lnSpc>
+              <a:buFontTx/>
+              <a:buChar char="-"/>
+            </a:pPr>
+            <a:r>
+              <a:rPr kumimoji="1" lang="ko-KR" altLang="en-US" sz="1200" dirty="0" err="1"/>
+              <a:t>탭바를</a:t>
+            </a:r>
+            <a:r>
+              <a:rPr kumimoji="1" lang="ko-KR" altLang="en-US" sz="1200" dirty="0"/>
+              <a:t> 이용해 다이어리</a:t>
+            </a:r>
+            <a:r>
+              <a:rPr kumimoji="1" lang="en-US" altLang="ko-KR" sz="1200" dirty="0"/>
+              <a:t>/</a:t>
+            </a:r>
+            <a:r>
+              <a:rPr kumimoji="1" lang="ko-KR" altLang="en-US" sz="1200" dirty="0" err="1"/>
+              <a:t>투두로</a:t>
+            </a:r>
+            <a:r>
+              <a:rPr kumimoji="1" lang="ko-KR" altLang="en-US" sz="1200" dirty="0"/>
+              <a:t> 이동할 수 있다</a:t>
+            </a:r>
+            <a:r>
+              <a:rPr kumimoji="1" lang="en-US" altLang="ko-KR" sz="1200" dirty="0"/>
+              <a:t>.</a:t>
+            </a:r>
           </a:p>
         </p:txBody>
       </p:sp>
